--- a/Ibrahim-Lamin/ASE2024 - Project 2/ASE_presentation.pptx
+++ b/Ibrahim-Lamin/ASE2024 - Project 2/ASE_presentation.pptx
@@ -21616,7 +21616,8 @@
               <a:buNone/>
             </a:pPr>
             <a:r>
-              <a:t/>
+              <a:rPr lang="en-GB"/>
+              <a:t>Task 1</a:t>
             </a:r>
             <a:endParaRPr/>
           </a:p>
@@ -21698,7 +21699,8 @@
               <a:buNone/>
             </a:pPr>
             <a:r>
-              <a:t/>
+              <a:rPr lang="en-GB"/>
+              <a:t>Decision Tree Performance.</a:t>
             </a:r>
             <a:endParaRPr/>
           </a:p>
@@ -21720,7 +21722,7 @@
         </p:blipFill>
         <p:spPr>
           <a:xfrm>
-            <a:off x="515349" y="1693088"/>
+            <a:off x="515349" y="1769288"/>
             <a:ext cx="7363251" cy="2657475"/>
           </a:xfrm>
           <a:prstGeom prst="rect">
@@ -23024,7 +23026,8 @@
               <a:buNone/>
             </a:pPr>
             <a:r>
-              <a:t/>
+              <a:rPr lang="en-GB"/>
+              <a:t> </a:t>
             </a:r>
             <a:endParaRPr/>
           </a:p>
@@ -23116,7 +23119,8 @@
               <a:buNone/>
             </a:pPr>
             <a:r>
-              <a:t/>
+              <a:rPr lang="en-GB"/>
+              <a:t>Metrics / Failing Method</a:t>
             </a:r>
             <a:endParaRPr/>
           </a:p>
@@ -23241,9 +23245,9 @@
 </file>
 
 <file path=ppt/theme/theme1.xml><?xml version="1.0" encoding="utf-8"?>
-<a:theme xmlns:a="http://schemas.openxmlformats.org/drawingml/2006/main" xmlns:r="http://schemas.openxmlformats.org/officeDocument/2006/relationships" name="Simple Light">
+<a:theme xmlns:a="http://schemas.openxmlformats.org/drawingml/2006/main" xmlns:r="http://schemas.openxmlformats.org/officeDocument/2006/relationships">
   <a:themeElements>
-    <a:clrScheme name="Simple Light">
+    <a:clrScheme name="Default">
       <a:dk1>
         <a:srgbClr val="000000"/>
       </a:dk1>
@@ -23251,34 +23255,34 @@
         <a:srgbClr val="FFFFFF"/>
       </a:lt1>
       <a:dk2>
-        <a:srgbClr val="595959"/>
+        <a:srgbClr val="158158"/>
       </a:dk2>
       <a:lt2>
-        <a:srgbClr val="EEEEEE"/>
+        <a:srgbClr val="F3F3F3"/>
       </a:lt2>
       <a:accent1>
-        <a:srgbClr val="4285F4"/>
+        <a:srgbClr val="058DC7"/>
       </a:accent1>
       <a:accent2>
-        <a:srgbClr val="212121"/>
+        <a:srgbClr val="50B432"/>
       </a:accent2>
       <a:accent3>
-        <a:srgbClr val="78909C"/>
+        <a:srgbClr val="ED561B"/>
       </a:accent3>
       <a:accent4>
-        <a:srgbClr val="FFAB40"/>
+        <a:srgbClr val="EDEF00"/>
       </a:accent4>
       <a:accent5>
-        <a:srgbClr val="0097A7"/>
+        <a:srgbClr val="24CBE5"/>
       </a:accent5>
       <a:accent6>
-        <a:srgbClr val="EEFF41"/>
+        <a:srgbClr val="64E572"/>
       </a:accent6>
       <a:hlink>
-        <a:srgbClr val="0097A7"/>
+        <a:srgbClr val="2200CC"/>
       </a:hlink>
       <a:folHlink>
-        <a:srgbClr val="0097A7"/>
+        <a:srgbClr val="551A8B"/>
       </a:folHlink>
     </a:clrScheme>
     <a:fontScheme name="Office">
@@ -23520,9 +23524,9 @@
 </file>
 
 <file path=ppt/theme/theme2.xml><?xml version="1.0" encoding="utf-8"?>
-<a:theme xmlns:a="http://schemas.openxmlformats.org/drawingml/2006/main" xmlns:r="http://schemas.openxmlformats.org/officeDocument/2006/relationships">
+<a:theme xmlns:a="http://schemas.openxmlformats.org/drawingml/2006/main" xmlns:r="http://schemas.openxmlformats.org/officeDocument/2006/relationships" name="Simple Light">
   <a:themeElements>
-    <a:clrScheme name="Default">
+    <a:clrScheme name="Simple Light">
       <a:dk1>
         <a:srgbClr val="000000"/>
       </a:dk1>
@@ -23530,34 +23534,34 @@
         <a:srgbClr val="FFFFFF"/>
       </a:lt1>
       <a:dk2>
-        <a:srgbClr val="158158"/>
+        <a:srgbClr val="595959"/>
       </a:dk2>
       <a:lt2>
-        <a:srgbClr val="F3F3F3"/>
+        <a:srgbClr val="EEEEEE"/>
       </a:lt2>
       <a:accent1>
-        <a:srgbClr val="058DC7"/>
+        <a:srgbClr val="4285F4"/>
       </a:accent1>
       <a:accent2>
-        <a:srgbClr val="50B432"/>
+        <a:srgbClr val="212121"/>
       </a:accent2>
       <a:accent3>
-        <a:srgbClr val="ED561B"/>
+        <a:srgbClr val="78909C"/>
       </a:accent3>
       <a:accent4>
-        <a:srgbClr val="EDEF00"/>
+        <a:srgbClr val="FFAB40"/>
       </a:accent4>
       <a:accent5>
-        <a:srgbClr val="24CBE5"/>
+        <a:srgbClr val="0097A7"/>
       </a:accent5>
       <a:accent6>
-        <a:srgbClr val="64E572"/>
+        <a:srgbClr val="EEFF41"/>
       </a:accent6>
       <a:hlink>
-        <a:srgbClr val="2200CC"/>
+        <a:srgbClr val="0097A7"/>
       </a:hlink>
       <a:folHlink>
-        <a:srgbClr val="551A8B"/>
+        <a:srgbClr val="0097A7"/>
       </a:folHlink>
     </a:clrScheme>
     <a:fontScheme name="Office">

--- a/Ibrahim-Lamin/ASE2024 - Project 2/ASE_presentation.pptx
+++ b/Ibrahim-Lamin/ASE2024 - Project 2/ASE_presentation.pptx
@@ -1078,7 +1078,7 @@
       </p:grpSpPr>
       <p:sp>
         <p:nvSpPr>
-          <p:cNvPr id="240" name="Google Shape;240;g2f7835611f6_0_13:notes"/>
+          <p:cNvPr id="240" name="Google Shape;240;g3254aaec7b9_4_30:notes"/>
           <p:cNvSpPr/>
           <p:nvPr>
             <p:ph idx="2" type="sldImg"/>
@@ -1113,7 +1113,7 @@
       </p:sp>
       <p:sp>
         <p:nvSpPr>
-          <p:cNvPr id="241" name="Google Shape;241;g2f7835611f6_0_13:notes"/>
+          <p:cNvPr id="241" name="Google Shape;241;g3254aaec7b9_4_30:notes"/>
           <p:cNvSpPr txBox="1"/>
           <p:nvPr>
             <p:ph idx="1" type="body"/>
@@ -1177,7 +1177,7 @@
       </p:grpSpPr>
       <p:sp>
         <p:nvSpPr>
-          <p:cNvPr id="247" name="Google Shape;247;g3254aaec7b9_0_9:notes"/>
+          <p:cNvPr id="247" name="Google Shape;247;g3254aaec7b9_4_22:notes"/>
           <p:cNvSpPr/>
           <p:nvPr>
             <p:ph idx="2" type="sldImg"/>
@@ -1212,7 +1212,7 @@
       </p:sp>
       <p:sp>
         <p:nvSpPr>
-          <p:cNvPr id="248" name="Google Shape;248;g3254aaec7b9_0_9:notes"/>
+          <p:cNvPr id="248" name="Google Shape;248;g3254aaec7b9_4_22:notes"/>
           <p:cNvSpPr txBox="1"/>
           <p:nvPr>
             <p:ph idx="1" type="body"/>
@@ -1262,7 +1262,7 @@
   <p:cSld>
     <p:spTree>
       <p:nvGrpSpPr>
-        <p:cNvPr id="253" name="Shape 253"/>
+        <p:cNvPr id="254" name="Shape 254"/>
         <p:cNvGrpSpPr/>
         <p:nvPr/>
       </p:nvGrpSpPr>
@@ -1276,7 +1276,7 @@
       </p:grpSpPr>
       <p:sp>
         <p:nvSpPr>
-          <p:cNvPr id="254" name="Google Shape;254;g3254aaec7b9_4_30:notes"/>
+          <p:cNvPr id="255" name="Google Shape;255;g3254aaec7b9_4_14:notes"/>
           <p:cNvSpPr/>
           <p:nvPr>
             <p:ph idx="2" type="sldImg"/>
@@ -1311,7 +1311,7 @@
       </p:sp>
       <p:sp>
         <p:nvSpPr>
-          <p:cNvPr id="255" name="Google Shape;255;g3254aaec7b9_4_30:notes"/>
+          <p:cNvPr id="256" name="Google Shape;256;g3254aaec7b9_4_14:notes"/>
           <p:cNvSpPr txBox="1"/>
           <p:nvPr>
             <p:ph idx="1" type="body"/>
@@ -1361,7 +1361,7 @@
   <p:cSld>
     <p:spTree>
       <p:nvGrpSpPr>
-        <p:cNvPr id="260" name="Shape 260"/>
+        <p:cNvPr id="262" name="Shape 262"/>
         <p:cNvGrpSpPr/>
         <p:nvPr/>
       </p:nvGrpSpPr>
@@ -1375,7 +1375,7 @@
       </p:grpSpPr>
       <p:sp>
         <p:nvSpPr>
-          <p:cNvPr id="261" name="Google Shape;261;g3254aaec7b9_4_22:notes"/>
+          <p:cNvPr id="263" name="Google Shape;263;g2f7835611f6_0_13:notes"/>
           <p:cNvSpPr/>
           <p:nvPr>
             <p:ph idx="2" type="sldImg"/>
@@ -1410,7 +1410,7 @@
       </p:sp>
       <p:sp>
         <p:nvSpPr>
-          <p:cNvPr id="262" name="Google Shape;262;g3254aaec7b9_4_22:notes"/>
+          <p:cNvPr id="264" name="Google Shape;264;g2f7835611f6_0_13:notes"/>
           <p:cNvSpPr txBox="1"/>
           <p:nvPr>
             <p:ph idx="1" type="body"/>
@@ -1460,7 +1460,7 @@
   <p:cSld>
     <p:spTree>
       <p:nvGrpSpPr>
-        <p:cNvPr id="268" name="Shape 268"/>
+        <p:cNvPr id="269" name="Shape 269"/>
         <p:cNvGrpSpPr/>
         <p:nvPr/>
       </p:nvGrpSpPr>
@@ -1474,7 +1474,7 @@
       </p:grpSpPr>
       <p:sp>
         <p:nvSpPr>
-          <p:cNvPr id="269" name="Google Shape;269;g3254aaec7b9_4_14:notes"/>
+          <p:cNvPr id="270" name="Google Shape;270;g3254aaec7b9_0_9:notes"/>
           <p:cNvSpPr/>
           <p:nvPr>
             <p:ph idx="2" type="sldImg"/>
@@ -1509,7 +1509,7 @@
       </p:sp>
       <p:sp>
         <p:nvSpPr>
-          <p:cNvPr id="270" name="Google Shape;270;g3254aaec7b9_4_14:notes"/>
+          <p:cNvPr id="271" name="Google Shape;271;g3254aaec7b9_0_9:notes"/>
           <p:cNvSpPr txBox="1"/>
           <p:nvPr>
             <p:ph idx="1" type="body"/>
@@ -21925,7 +21925,7 @@
             </a:pPr>
             <a:r>
               <a:rPr lang="en-GB"/>
-              <a:t>Specification 1</a:t>
+              <a:t>Prompting</a:t>
             </a:r>
             <a:endParaRPr/>
           </a:p>
@@ -21994,7 +21994,7 @@
           </a:bodyPr>
           <a:lstStyle/>
           <a:p>
-            <a:pPr indent="0" lvl="0" marL="457200" rtl="0" algn="l">
+            <a:pPr indent="457200" lvl="0" marL="0" rtl="0" algn="l">
               <a:lnSpc>
                 <a:spcPct val="150000"/>
               </a:lnSpc>
@@ -22013,113 +22013,7 @@
                 <a:cs typeface="Oswald"/>
                 <a:sym typeface="Oswald"/>
               </a:rPr>
-              <a:t>Data Quality</a:t>
-            </a:r>
-            <a:endParaRPr/>
-          </a:p>
-          <a:p>
-            <a:pPr indent="-342900" lvl="0" marL="457200" rtl="0" algn="l">
-              <a:lnSpc>
-                <a:spcPct val="150000"/>
-              </a:lnSpc>
-              <a:spcBef>
-                <a:spcPts val="300"/>
-              </a:spcBef>
-              <a:spcAft>
-                <a:spcPts val="0"/>
-              </a:spcAft>
-              <a:buSzPts val="1800"/>
-              <a:buChar char="●"/>
-            </a:pPr>
-            <a:r>
-              <a:rPr lang="en-GB"/>
-              <a:t>Validation of integrity by checking for outliers and duplicates.</a:t>
-            </a:r>
-            <a:r>
-              <a:rPr lang="en-GB"/>
-              <a:t> </a:t>
-            </a:r>
-            <a:endParaRPr/>
-          </a:p>
-          <a:p>
-            <a:pPr indent="-342900" lvl="0" marL="457200" rtl="0" algn="l">
-              <a:lnSpc>
-                <a:spcPct val="150000"/>
-              </a:lnSpc>
-              <a:spcBef>
-                <a:spcPts val="0"/>
-              </a:spcBef>
-              <a:spcAft>
-                <a:spcPts val="0"/>
-              </a:spcAft>
-              <a:buSzPts val="1800"/>
-              <a:buChar char="●"/>
-            </a:pPr>
-            <a:r>
-              <a:rPr lang="en-GB"/>
-              <a:t>Possible Over-fitting due to data leakage.</a:t>
-            </a:r>
-            <a:endParaRPr/>
-          </a:p>
-          <a:p>
-            <a:pPr indent="-342900" lvl="0" marL="457200" rtl="0" algn="l">
-              <a:lnSpc>
-                <a:spcPct val="150000"/>
-              </a:lnSpc>
-              <a:spcBef>
-                <a:spcPts val="0"/>
-              </a:spcBef>
-              <a:spcAft>
-                <a:spcPts val="0"/>
-              </a:spcAft>
-              <a:buSzPts val="1800"/>
-              <a:buChar char="●"/>
-            </a:pPr>
-            <a:r>
-              <a:rPr lang="en-GB"/>
-              <a:t>Could be improved with multiple column combination</a:t>
-            </a:r>
-            <a:endParaRPr/>
-          </a:p>
-          <a:p>
-            <a:pPr indent="0" lvl="0" marL="457200" rtl="0" algn="l">
-              <a:lnSpc>
-                <a:spcPct val="150000"/>
-              </a:lnSpc>
-              <a:spcBef>
-                <a:spcPts val="300"/>
-              </a:spcBef>
-              <a:spcAft>
-                <a:spcPts val="0"/>
-              </a:spcAft>
-              <a:buNone/>
-            </a:pPr>
-            <a:r>
-              <a:t/>
-            </a:r>
-            <a:endParaRPr/>
-          </a:p>
-          <a:p>
-            <a:pPr indent="0" lvl="0" marL="457200" rtl="0" algn="l">
-              <a:lnSpc>
-                <a:spcPct val="150000"/>
-              </a:lnSpc>
-              <a:spcBef>
-                <a:spcPts val="300"/>
-              </a:spcBef>
-              <a:spcAft>
-                <a:spcPts val="0"/>
-              </a:spcAft>
-              <a:buNone/>
-            </a:pPr>
-            <a:r>
-              <a:rPr b="1" lang="en-GB">
-                <a:latin typeface="Oswald"/>
-                <a:ea typeface="Oswald"/>
-                <a:cs typeface="Oswald"/>
-                <a:sym typeface="Oswald"/>
-              </a:rPr>
-              <a:t>Demographic change adaptation</a:t>
+              <a:t>Self-Made Prompt</a:t>
             </a:r>
             <a:endParaRPr b="1">
               <a:latin typeface="Oswald"/>
@@ -22131,7 +22025,7 @@
           <a:p>
             <a:pPr indent="-342900" lvl="0" marL="457200" rtl="0" algn="l">
               <a:lnSpc>
-                <a:spcPct val="115000"/>
+                <a:spcPct val="150000"/>
               </a:lnSpc>
               <a:spcBef>
                 <a:spcPts val="300"/>
@@ -22144,17 +22038,37 @@
             </a:pPr>
             <a:r>
               <a:rPr lang="en-GB"/>
-              <a:t>Static models struggle with evolving user demographics or bug types</a:t>
+              <a:t>Basic instructions were provided, as outlined in the project slides.</a:t>
+            </a:r>
+            <a:endParaRPr/>
+          </a:p>
+          <a:p>
+            <a:pPr indent="-342900" lvl="0" marL="457200" rtl="0" algn="l">
+              <a:lnSpc>
+                <a:spcPct val="150000"/>
+              </a:lnSpc>
+              <a:spcBef>
+                <a:spcPts val="0"/>
+              </a:spcBef>
+              <a:spcAft>
+                <a:spcPts val="0"/>
+              </a:spcAft>
+              <a:buSzPts val="1800"/>
+              <a:buChar char="●"/>
+            </a:pPr>
+            <a:r>
+              <a:rPr lang="en-GB"/>
+              <a:t>Additional prompting was required to achieve a result.</a:t>
             </a:r>
             <a:endParaRPr/>
           </a:p>
           <a:p>
             <a:pPr indent="457200" lvl="0" marL="0" rtl="0" algn="l">
               <a:lnSpc>
-                <a:spcPct val="115000"/>
-              </a:lnSpc>
-              <a:spcBef>
-                <a:spcPts val="0"/>
+                <a:spcPct val="150000"/>
+              </a:lnSpc>
+              <a:spcBef>
+                <a:spcPts val="300"/>
               </a:spcBef>
               <a:spcAft>
                 <a:spcPts val="0"/>
@@ -22168,18 +22082,39 @@
                 <a:cs typeface="Oswald"/>
                 <a:sym typeface="Oswald"/>
               </a:rPr>
-              <a:t>Solutions</a:t>
+              <a:t>LLM-Generated Prompt</a:t>
             </a:r>
+            <a:endParaRPr b="1">
+              <a:latin typeface="Oswald"/>
+              <a:ea typeface="Oswald"/>
+              <a:cs typeface="Oswald"/>
+              <a:sym typeface="Oswald"/>
+            </a:endParaRPr>
+          </a:p>
+          <a:p>
+            <a:pPr indent="-342900" lvl="0" marL="457200" rtl="0" algn="l">
+              <a:lnSpc>
+                <a:spcPct val="150000"/>
+              </a:lnSpc>
+              <a:spcBef>
+                <a:spcPts val="300"/>
+              </a:spcBef>
+              <a:spcAft>
+                <a:spcPts val="0"/>
+              </a:spcAft>
+              <a:buSzPts val="1800"/>
+              <a:buChar char="●"/>
+            </a:pPr>
             <a:r>
               <a:rPr lang="en-GB"/>
-              <a:t>:</a:t>
+              <a:t>Included specific commands to eliminate redundant information.</a:t>
             </a:r>
             <a:endParaRPr/>
           </a:p>
           <a:p>
             <a:pPr indent="-342900" lvl="0" marL="457200" rtl="0" algn="l">
               <a:lnSpc>
-                <a:spcPct val="115000"/>
+                <a:spcPct val="150000"/>
               </a:lnSpc>
               <a:spcBef>
                 <a:spcPts val="0"/>
@@ -22192,14 +22127,63 @@
             </a:pPr>
             <a:r>
               <a:rPr lang="en-GB"/>
-              <a:t>Periodically retrain classifiers with updated data.</a:t>
+              <a:t>Required less additional prompting compared to the first approach.</a:t>
+            </a:r>
+            <a:endParaRPr/>
+          </a:p>
+          <a:p>
+            <a:pPr indent="457200" lvl="0" marL="0" rtl="0" algn="l">
+              <a:lnSpc>
+                <a:spcPct val="150000"/>
+              </a:lnSpc>
+              <a:spcBef>
+                <a:spcPts val="300"/>
+              </a:spcBef>
+              <a:spcAft>
+                <a:spcPts val="0"/>
+              </a:spcAft>
+              <a:buNone/>
+            </a:pPr>
+            <a:r>
+              <a:rPr b="1" lang="en-GB">
+                <a:latin typeface="Oswald"/>
+                <a:ea typeface="Oswald"/>
+                <a:cs typeface="Oswald"/>
+                <a:sym typeface="Oswald"/>
+              </a:rPr>
+              <a:t>LLM-Generated Prompt w/ Roleplay</a:t>
+            </a:r>
+            <a:endParaRPr b="1">
+              <a:latin typeface="Oswald"/>
+              <a:ea typeface="Oswald"/>
+              <a:cs typeface="Oswald"/>
+              <a:sym typeface="Oswald"/>
+            </a:endParaRPr>
+          </a:p>
+          <a:p>
+            <a:pPr indent="-342900" lvl="0" marL="457200" rtl="0" algn="l">
+              <a:lnSpc>
+                <a:spcPct val="150000"/>
+              </a:lnSpc>
+              <a:spcBef>
+                <a:spcPts val="300"/>
+              </a:spcBef>
+              <a:spcAft>
+                <a:spcPts val="0"/>
+              </a:spcAft>
+              <a:buSzPts val="1800"/>
+              <a:buChar char="●"/>
+            </a:pPr>
+            <a:r>
+              <a:rPr lang="en-GB"/>
+              <a:t>The LLM assumed the role of a Software Engineer/Data Scientist working in a company.</a:t>
             </a:r>
             <a:endParaRPr/>
           </a:p>
           <a:p>
             <a:pPr indent="-342900" lvl="0" marL="457200" rtl="0" algn="l">
               <a:lnSpc>
-                <a:spcPct val="115000"/>
+                <a:spcPct val="150000"/>
               </a:lnSpc>
               <a:spcBef>
                 <a:spcPts val="0"/>
@@ -22212,45 +22196,7 @@
             </a:pPr>
             <a:r>
               <a:rPr lang="en-GB"/>
-              <a:t>Utilize active learning to identify and integrate new patterns.</a:t>
-            </a:r>
-            <a:endParaRPr/>
-          </a:p>
-          <a:p>
-            <a:pPr indent="-342900" lvl="0" marL="457200" rtl="0" algn="l">
-              <a:lnSpc>
-                <a:spcPct val="115000"/>
-              </a:lnSpc>
-              <a:spcBef>
-                <a:spcPts val="0"/>
-              </a:spcBef>
-              <a:spcAft>
-                <a:spcPts val="0"/>
-              </a:spcAft>
-              <a:buSzPts val="1800"/>
-              <a:buChar char="●"/>
-            </a:pPr>
-            <a:r>
-              <a:rPr lang="en-GB"/>
-              <a:t>Monitor performance metrics across demographic subgroups.</a:t>
-            </a:r>
-            <a:endParaRPr/>
-          </a:p>
-          <a:p>
-            <a:pPr indent="0" lvl="0" marL="457200" rtl="0" algn="l">
-              <a:lnSpc>
-                <a:spcPct val="150000"/>
-              </a:lnSpc>
-              <a:spcBef>
-                <a:spcPts val="300"/>
-              </a:spcBef>
-              <a:spcAft>
-                <a:spcPts val="300"/>
-              </a:spcAft>
-              <a:buNone/>
-            </a:pPr>
-            <a:r>
-              <a:t/>
+              <a:t>The effort required was similar to the second approach.</a:t>
             </a:r>
             <a:endParaRPr/>
           </a:p>
@@ -22315,7 +22261,7 @@
             </a:pPr>
             <a:r>
               <a:rPr lang="en-GB"/>
-              <a:t>Specification 2</a:t>
+              <a:t>LLM Prompting Approach 1</a:t>
             </a:r>
             <a:endParaRPr/>
           </a:p>
@@ -22364,6 +22310,747 @@
       <p:sp>
         <p:nvSpPr>
           <p:cNvPr id="252" name="Google Shape;252;p33"/>
+          <p:cNvSpPr txBox="1"/>
+          <p:nvPr>
+            <p:ph idx="1" type="body"/>
+          </p:nvPr>
+        </p:nvSpPr>
+        <p:spPr>
+          <a:xfrm>
+            <a:off x="358775" y="1239825"/>
+            <a:ext cx="7676400" cy="3564000"/>
+          </a:xfrm>
+          <a:prstGeom prst="rect">
+            <a:avLst/>
+          </a:prstGeom>
+        </p:spPr>
+        <p:txBody>
+          <a:bodyPr anchorCtr="0" anchor="t" bIns="0" lIns="0" spcFirstLastPara="1" rIns="0" wrap="square" tIns="72000">
+            <a:noAutofit/>
+          </a:bodyPr>
+          <a:lstStyle/>
+          <a:p>
+            <a:pPr indent="0" lvl="0" marL="0" rtl="0" algn="l">
+              <a:lnSpc>
+                <a:spcPct val="150000"/>
+              </a:lnSpc>
+              <a:spcBef>
+                <a:spcPts val="300"/>
+              </a:spcBef>
+              <a:spcAft>
+                <a:spcPts val="300"/>
+              </a:spcAft>
+              <a:buNone/>
+            </a:pPr>
+            <a:r>
+              <a:rPr lang="en-GB"/>
+              <a:t> </a:t>
+            </a:r>
+            <a:endParaRPr/>
+          </a:p>
+        </p:txBody>
+      </p:sp>
+      <p:pic>
+        <p:nvPicPr>
+          <p:cNvPr id="253" name="Google Shape;253;p33"/>
+          <p:cNvPicPr preferRelativeResize="0"/>
+          <p:nvPr/>
+        </p:nvPicPr>
+        <p:blipFill>
+          <a:blip r:embed="rId3">
+            <a:alphaModFix/>
+          </a:blip>
+          <a:stretch>
+            <a:fillRect/>
+          </a:stretch>
+        </p:blipFill>
+        <p:spPr>
+          <a:xfrm>
+            <a:off x="421700" y="1710974"/>
+            <a:ext cx="8300600" cy="2621700"/>
+          </a:xfrm>
+          <a:prstGeom prst="rect">
+            <a:avLst/>
+          </a:prstGeom>
+          <a:noFill/>
+          <a:ln>
+            <a:noFill/>
+          </a:ln>
+        </p:spPr>
+      </p:pic>
+    </p:spTree>
+  </p:cSld>
+  <p:clrMapOvr>
+    <a:masterClrMapping/>
+  </p:clrMapOvr>
+</p:sld>
+</file>
+
+<file path=ppt/slides/slide6.xml><?xml version="1.0" encoding="utf-8"?>
+<p:sld xmlns:a="http://schemas.openxmlformats.org/drawingml/2006/main" xmlns:r="http://schemas.openxmlformats.org/officeDocument/2006/relationships" xmlns:mc="http://schemas.openxmlformats.org/markup-compatibility/2006" xmlns:mv="urn:schemas-microsoft-com:mac:vml" xmlns:p="http://schemas.openxmlformats.org/presentationml/2006/main" xmlns:c="http://schemas.openxmlformats.org/drawingml/2006/chart" xmlns:dgm="http://schemas.openxmlformats.org/drawingml/2006/diagram" xmlns:o="urn:schemas-microsoft-com:office:office" xmlns:v="urn:schemas-microsoft-com:vml" xmlns:pvml="urn:schemas-microsoft-com:office:powerpoint" xmlns:com="http://schemas.openxmlformats.org/drawingml/2006/compatibility" xmlns:p14="http://schemas.microsoft.com/office/powerpoint/2010/main" xmlns:p15="http://schemas.microsoft.com/office/powerpoint/2012/main" xmlns:ahyp="http://schemas.microsoft.com/office/drawing/2018/hyperlinkcolor">
+  <p:cSld>
+    <p:spTree>
+      <p:nvGrpSpPr>
+        <p:cNvPr id="257" name="Shape 257"/>
+        <p:cNvGrpSpPr/>
+        <p:nvPr/>
+      </p:nvGrpSpPr>
+      <p:grpSpPr>
+        <a:xfrm>
+          <a:off x="0" y="0"/>
+          <a:ext cx="0" cy="0"/>
+          <a:chOff x="0" y="0"/>
+          <a:chExt cx="0" cy="0"/>
+        </a:xfrm>
+      </p:grpSpPr>
+      <p:sp>
+        <p:nvSpPr>
+          <p:cNvPr id="258" name="Google Shape;258;p34"/>
+          <p:cNvSpPr txBox="1"/>
+          <p:nvPr>
+            <p:ph type="title"/>
+          </p:nvPr>
+        </p:nvSpPr>
+        <p:spPr>
+          <a:xfrm>
+            <a:off x="358776" y="108001"/>
+            <a:ext cx="6877200" cy="927600"/>
+          </a:xfrm>
+          <a:prstGeom prst="rect">
+            <a:avLst/>
+          </a:prstGeom>
+        </p:spPr>
+        <p:txBody>
+          <a:bodyPr anchorCtr="0" anchor="b" bIns="180000" lIns="0" spcFirstLastPara="1" rIns="0" wrap="square" tIns="0">
+            <a:noAutofit/>
+          </a:bodyPr>
+          <a:lstStyle/>
+          <a:p>
+            <a:pPr indent="0" lvl="0" marL="0" rtl="0" algn="l">
+              <a:spcBef>
+                <a:spcPts val="0"/>
+              </a:spcBef>
+              <a:spcAft>
+                <a:spcPts val="0"/>
+              </a:spcAft>
+              <a:buNone/>
+            </a:pPr>
+            <a:r>
+              <a:rPr lang="en-GB"/>
+              <a:t>Metrics / Failing Method</a:t>
+            </a:r>
+            <a:endParaRPr/>
+          </a:p>
+        </p:txBody>
+      </p:sp>
+      <p:sp>
+        <p:nvSpPr>
+          <p:cNvPr id="259" name="Google Shape;259;p34"/>
+          <p:cNvSpPr txBox="1"/>
+          <p:nvPr>
+            <p:ph idx="12" type="sldNum"/>
+          </p:nvPr>
+        </p:nvSpPr>
+        <p:spPr>
+          <a:xfrm>
+            <a:off x="7416801" y="4623195"/>
+            <a:ext cx="1547700" cy="180600"/>
+          </a:xfrm>
+          <a:prstGeom prst="rect">
+            <a:avLst/>
+          </a:prstGeom>
+        </p:spPr>
+        <p:txBody>
+          <a:bodyPr anchorCtr="0" anchor="b" bIns="0" lIns="108000" spcFirstLastPara="1" rIns="0" wrap="square" tIns="0">
+            <a:noAutofit/>
+          </a:bodyPr>
+          <a:lstStyle/>
+          <a:p>
+            <a:pPr indent="0" lvl="0" marL="0" rtl="0" algn="r">
+              <a:spcBef>
+                <a:spcPts val="0"/>
+              </a:spcBef>
+              <a:spcAft>
+                <a:spcPts val="0"/>
+              </a:spcAft>
+              <a:buNone/>
+            </a:pPr>
+            <a:fld id="{00000000-1234-1234-1234-123412341234}" type="slidenum">
+              <a:rPr lang="en-GB"/>
+              <a:t>‹#›</a:t>
+            </a:fld>
+            <a:endParaRPr/>
+          </a:p>
+        </p:txBody>
+      </p:sp>
+      <p:sp>
+        <p:nvSpPr>
+          <p:cNvPr id="260" name="Google Shape;260;p34"/>
+          <p:cNvSpPr txBox="1"/>
+          <p:nvPr>
+            <p:ph idx="1" type="body"/>
+          </p:nvPr>
+        </p:nvSpPr>
+        <p:spPr>
+          <a:xfrm>
+            <a:off x="358775" y="1239825"/>
+            <a:ext cx="7676400" cy="3564000"/>
+          </a:xfrm>
+          <a:prstGeom prst="rect">
+            <a:avLst/>
+          </a:prstGeom>
+        </p:spPr>
+        <p:txBody>
+          <a:bodyPr anchorCtr="0" anchor="t" bIns="0" lIns="0" spcFirstLastPara="1" rIns="0" wrap="square" tIns="72000">
+            <a:noAutofit/>
+          </a:bodyPr>
+          <a:lstStyle/>
+          <a:p>
+            <a:pPr indent="0" lvl="0" marL="0" rtl="0" algn="l">
+              <a:lnSpc>
+                <a:spcPct val="150000"/>
+              </a:lnSpc>
+              <a:spcBef>
+                <a:spcPts val="300"/>
+              </a:spcBef>
+              <a:spcAft>
+                <a:spcPts val="300"/>
+              </a:spcAft>
+              <a:buNone/>
+            </a:pPr>
+            <a:r>
+              <a:t/>
+            </a:r>
+            <a:endParaRPr/>
+          </a:p>
+        </p:txBody>
+      </p:sp>
+      <p:pic>
+        <p:nvPicPr>
+          <p:cNvPr id="261" name="Google Shape;261;p34"/>
+          <p:cNvPicPr preferRelativeResize="0"/>
+          <p:nvPr/>
+        </p:nvPicPr>
+        <p:blipFill>
+          <a:blip r:embed="rId3">
+            <a:alphaModFix/>
+          </a:blip>
+          <a:stretch>
+            <a:fillRect/>
+          </a:stretch>
+        </p:blipFill>
+        <p:spPr>
+          <a:xfrm>
+            <a:off x="387363" y="1765775"/>
+            <a:ext cx="7619225" cy="2512100"/>
+          </a:xfrm>
+          <a:prstGeom prst="rect">
+            <a:avLst/>
+          </a:prstGeom>
+          <a:noFill/>
+          <a:ln>
+            <a:noFill/>
+          </a:ln>
+        </p:spPr>
+      </p:pic>
+    </p:spTree>
+  </p:cSld>
+  <p:clrMapOvr>
+    <a:masterClrMapping/>
+  </p:clrMapOvr>
+</p:sld>
+</file>
+
+<file path=ppt/slides/slide7.xml><?xml version="1.0" encoding="utf-8"?>
+<p:sld xmlns:a="http://schemas.openxmlformats.org/drawingml/2006/main" xmlns:r="http://schemas.openxmlformats.org/officeDocument/2006/relationships" xmlns:mc="http://schemas.openxmlformats.org/markup-compatibility/2006" xmlns:mv="urn:schemas-microsoft-com:mac:vml" xmlns:p="http://schemas.openxmlformats.org/presentationml/2006/main" xmlns:c="http://schemas.openxmlformats.org/drawingml/2006/chart" xmlns:dgm="http://schemas.openxmlformats.org/drawingml/2006/diagram" xmlns:o="urn:schemas-microsoft-com:office:office" xmlns:v="urn:schemas-microsoft-com:vml" xmlns:pvml="urn:schemas-microsoft-com:office:powerpoint" xmlns:com="http://schemas.openxmlformats.org/drawingml/2006/compatibility" xmlns:p14="http://schemas.microsoft.com/office/powerpoint/2010/main" xmlns:p15="http://schemas.microsoft.com/office/powerpoint/2012/main" xmlns:ahyp="http://schemas.microsoft.com/office/drawing/2018/hyperlinkcolor">
+  <p:cSld>
+    <p:spTree>
+      <p:nvGrpSpPr>
+        <p:cNvPr id="265" name="Shape 265"/>
+        <p:cNvGrpSpPr/>
+        <p:nvPr/>
+      </p:nvGrpSpPr>
+      <p:grpSpPr>
+        <a:xfrm>
+          <a:off x="0" y="0"/>
+          <a:ext cx="0" cy="0"/>
+          <a:chOff x="0" y="0"/>
+          <a:chExt cx="0" cy="0"/>
+        </a:xfrm>
+      </p:grpSpPr>
+      <p:sp>
+        <p:nvSpPr>
+          <p:cNvPr id="266" name="Google Shape;266;p35"/>
+          <p:cNvSpPr txBox="1"/>
+          <p:nvPr>
+            <p:ph type="title"/>
+          </p:nvPr>
+        </p:nvSpPr>
+        <p:spPr>
+          <a:xfrm>
+            <a:off x="358776" y="108001"/>
+            <a:ext cx="6877200" cy="927600"/>
+          </a:xfrm>
+          <a:prstGeom prst="rect">
+            <a:avLst/>
+          </a:prstGeom>
+        </p:spPr>
+        <p:txBody>
+          <a:bodyPr anchorCtr="0" anchor="b" bIns="180000" lIns="0" spcFirstLastPara="1" rIns="0" wrap="square" tIns="0">
+            <a:noAutofit/>
+          </a:bodyPr>
+          <a:lstStyle/>
+          <a:p>
+            <a:pPr indent="0" lvl="0" marL="0" rtl="0" algn="l">
+              <a:spcBef>
+                <a:spcPts val="0"/>
+              </a:spcBef>
+              <a:spcAft>
+                <a:spcPts val="0"/>
+              </a:spcAft>
+              <a:buNone/>
+            </a:pPr>
+            <a:r>
+              <a:rPr lang="en-GB"/>
+              <a:t>Specification 1</a:t>
+            </a:r>
+            <a:endParaRPr/>
+          </a:p>
+        </p:txBody>
+      </p:sp>
+      <p:sp>
+        <p:nvSpPr>
+          <p:cNvPr id="267" name="Google Shape;267;p35"/>
+          <p:cNvSpPr txBox="1"/>
+          <p:nvPr>
+            <p:ph idx="12" type="sldNum"/>
+          </p:nvPr>
+        </p:nvSpPr>
+        <p:spPr>
+          <a:xfrm>
+            <a:off x="7416801" y="4623195"/>
+            <a:ext cx="1547700" cy="180600"/>
+          </a:xfrm>
+          <a:prstGeom prst="rect">
+            <a:avLst/>
+          </a:prstGeom>
+        </p:spPr>
+        <p:txBody>
+          <a:bodyPr anchorCtr="0" anchor="b" bIns="0" lIns="108000" spcFirstLastPara="1" rIns="0" wrap="square" tIns="0">
+            <a:noAutofit/>
+          </a:bodyPr>
+          <a:lstStyle/>
+          <a:p>
+            <a:pPr indent="0" lvl="0" marL="0" rtl="0" algn="r">
+              <a:spcBef>
+                <a:spcPts val="0"/>
+              </a:spcBef>
+              <a:spcAft>
+                <a:spcPts val="0"/>
+              </a:spcAft>
+              <a:buNone/>
+            </a:pPr>
+            <a:fld id="{00000000-1234-1234-1234-123412341234}" type="slidenum">
+              <a:rPr lang="en-GB"/>
+              <a:t>‹#›</a:t>
+            </a:fld>
+            <a:endParaRPr/>
+          </a:p>
+        </p:txBody>
+      </p:sp>
+      <p:sp>
+        <p:nvSpPr>
+          <p:cNvPr id="268" name="Google Shape;268;p35"/>
+          <p:cNvSpPr txBox="1"/>
+          <p:nvPr>
+            <p:ph idx="1" type="body"/>
+          </p:nvPr>
+        </p:nvSpPr>
+        <p:spPr>
+          <a:xfrm>
+            <a:off x="358775" y="1239825"/>
+            <a:ext cx="7676400" cy="3564000"/>
+          </a:xfrm>
+          <a:prstGeom prst="rect">
+            <a:avLst/>
+          </a:prstGeom>
+        </p:spPr>
+        <p:txBody>
+          <a:bodyPr anchorCtr="0" anchor="t" bIns="0" lIns="0" spcFirstLastPara="1" rIns="0" wrap="square" tIns="72000">
+            <a:noAutofit/>
+          </a:bodyPr>
+          <a:lstStyle/>
+          <a:p>
+            <a:pPr indent="0" lvl="0" marL="457200" rtl="0" algn="l">
+              <a:lnSpc>
+                <a:spcPct val="150000"/>
+              </a:lnSpc>
+              <a:spcBef>
+                <a:spcPts val="300"/>
+              </a:spcBef>
+              <a:spcAft>
+                <a:spcPts val="0"/>
+              </a:spcAft>
+              <a:buNone/>
+            </a:pPr>
+            <a:r>
+              <a:rPr b="1" lang="en-GB">
+                <a:latin typeface="Oswald"/>
+                <a:ea typeface="Oswald"/>
+                <a:cs typeface="Oswald"/>
+                <a:sym typeface="Oswald"/>
+              </a:rPr>
+              <a:t>Data Quality</a:t>
+            </a:r>
+            <a:endParaRPr/>
+          </a:p>
+          <a:p>
+            <a:pPr indent="-342900" lvl="0" marL="457200" rtl="0" algn="l">
+              <a:lnSpc>
+                <a:spcPct val="150000"/>
+              </a:lnSpc>
+              <a:spcBef>
+                <a:spcPts val="300"/>
+              </a:spcBef>
+              <a:spcAft>
+                <a:spcPts val="0"/>
+              </a:spcAft>
+              <a:buSzPts val="1800"/>
+              <a:buChar char="●"/>
+            </a:pPr>
+            <a:r>
+              <a:rPr lang="en-GB"/>
+              <a:t>Validation of integrity by checking for outliers and duplicates.</a:t>
+            </a:r>
+            <a:r>
+              <a:rPr lang="en-GB"/>
+              <a:t> </a:t>
+            </a:r>
+            <a:endParaRPr/>
+          </a:p>
+          <a:p>
+            <a:pPr indent="-342900" lvl="0" marL="457200" rtl="0" algn="l">
+              <a:lnSpc>
+                <a:spcPct val="150000"/>
+              </a:lnSpc>
+              <a:spcBef>
+                <a:spcPts val="0"/>
+              </a:spcBef>
+              <a:spcAft>
+                <a:spcPts val="0"/>
+              </a:spcAft>
+              <a:buSzPts val="1800"/>
+              <a:buChar char="●"/>
+            </a:pPr>
+            <a:r>
+              <a:rPr lang="en-GB"/>
+              <a:t>Possible Over-fitting due to data leakage.</a:t>
+            </a:r>
+            <a:endParaRPr/>
+          </a:p>
+          <a:p>
+            <a:pPr indent="-342900" lvl="0" marL="457200" rtl="0" algn="l">
+              <a:lnSpc>
+                <a:spcPct val="150000"/>
+              </a:lnSpc>
+              <a:spcBef>
+                <a:spcPts val="0"/>
+              </a:spcBef>
+              <a:spcAft>
+                <a:spcPts val="0"/>
+              </a:spcAft>
+              <a:buSzPts val="1800"/>
+              <a:buChar char="●"/>
+            </a:pPr>
+            <a:r>
+              <a:rPr lang="en-GB"/>
+              <a:t>Could be improved with multiple column combination</a:t>
+            </a:r>
+            <a:endParaRPr/>
+          </a:p>
+          <a:p>
+            <a:pPr indent="0" lvl="0" marL="457200" rtl="0" algn="l">
+              <a:lnSpc>
+                <a:spcPct val="150000"/>
+              </a:lnSpc>
+              <a:spcBef>
+                <a:spcPts val="300"/>
+              </a:spcBef>
+              <a:spcAft>
+                <a:spcPts val="0"/>
+              </a:spcAft>
+              <a:buNone/>
+            </a:pPr>
+            <a:r>
+              <a:t/>
+            </a:r>
+            <a:endParaRPr/>
+          </a:p>
+          <a:p>
+            <a:pPr indent="0" lvl="0" marL="457200" rtl="0" algn="l">
+              <a:lnSpc>
+                <a:spcPct val="150000"/>
+              </a:lnSpc>
+              <a:spcBef>
+                <a:spcPts val="300"/>
+              </a:spcBef>
+              <a:spcAft>
+                <a:spcPts val="0"/>
+              </a:spcAft>
+              <a:buNone/>
+            </a:pPr>
+            <a:r>
+              <a:rPr b="1" lang="en-GB">
+                <a:latin typeface="Oswald"/>
+                <a:ea typeface="Oswald"/>
+                <a:cs typeface="Oswald"/>
+                <a:sym typeface="Oswald"/>
+              </a:rPr>
+              <a:t>Demographic change adaptation</a:t>
+            </a:r>
+            <a:endParaRPr b="1">
+              <a:latin typeface="Oswald"/>
+              <a:ea typeface="Oswald"/>
+              <a:cs typeface="Oswald"/>
+              <a:sym typeface="Oswald"/>
+            </a:endParaRPr>
+          </a:p>
+          <a:p>
+            <a:pPr indent="-342900" lvl="0" marL="457200" rtl="0" algn="l">
+              <a:lnSpc>
+                <a:spcPct val="115000"/>
+              </a:lnSpc>
+              <a:spcBef>
+                <a:spcPts val="300"/>
+              </a:spcBef>
+              <a:spcAft>
+                <a:spcPts val="0"/>
+              </a:spcAft>
+              <a:buSzPts val="1800"/>
+              <a:buChar char="●"/>
+            </a:pPr>
+            <a:r>
+              <a:rPr lang="en-GB"/>
+              <a:t>Static models struggle with evolving user demographics or bug types</a:t>
+            </a:r>
+            <a:endParaRPr/>
+          </a:p>
+          <a:p>
+            <a:pPr indent="457200" lvl="0" marL="0" rtl="0" algn="l">
+              <a:lnSpc>
+                <a:spcPct val="115000"/>
+              </a:lnSpc>
+              <a:spcBef>
+                <a:spcPts val="0"/>
+              </a:spcBef>
+              <a:spcAft>
+                <a:spcPts val="0"/>
+              </a:spcAft>
+              <a:buNone/>
+            </a:pPr>
+            <a:r>
+              <a:rPr b="1" lang="en-GB">
+                <a:latin typeface="Oswald"/>
+                <a:ea typeface="Oswald"/>
+                <a:cs typeface="Oswald"/>
+                <a:sym typeface="Oswald"/>
+              </a:rPr>
+              <a:t>Solutions</a:t>
+            </a:r>
+            <a:r>
+              <a:rPr lang="en-GB"/>
+              <a:t>:</a:t>
+            </a:r>
+            <a:endParaRPr/>
+          </a:p>
+          <a:p>
+            <a:pPr indent="-342900" lvl="0" marL="457200" rtl="0" algn="l">
+              <a:lnSpc>
+                <a:spcPct val="115000"/>
+              </a:lnSpc>
+              <a:spcBef>
+                <a:spcPts val="0"/>
+              </a:spcBef>
+              <a:spcAft>
+                <a:spcPts val="0"/>
+              </a:spcAft>
+              <a:buSzPts val="1800"/>
+              <a:buChar char="●"/>
+            </a:pPr>
+            <a:r>
+              <a:rPr lang="en-GB"/>
+              <a:t>Periodically retrain classifiers with updated data.</a:t>
+            </a:r>
+            <a:endParaRPr/>
+          </a:p>
+          <a:p>
+            <a:pPr indent="-342900" lvl="0" marL="457200" rtl="0" algn="l">
+              <a:lnSpc>
+                <a:spcPct val="115000"/>
+              </a:lnSpc>
+              <a:spcBef>
+                <a:spcPts val="0"/>
+              </a:spcBef>
+              <a:spcAft>
+                <a:spcPts val="0"/>
+              </a:spcAft>
+              <a:buSzPts val="1800"/>
+              <a:buChar char="●"/>
+            </a:pPr>
+            <a:r>
+              <a:rPr lang="en-GB"/>
+              <a:t>Utilize active learning to identify and integrate new patterns.</a:t>
+            </a:r>
+            <a:endParaRPr/>
+          </a:p>
+          <a:p>
+            <a:pPr indent="-342900" lvl="0" marL="457200" rtl="0" algn="l">
+              <a:lnSpc>
+                <a:spcPct val="115000"/>
+              </a:lnSpc>
+              <a:spcBef>
+                <a:spcPts val="0"/>
+              </a:spcBef>
+              <a:spcAft>
+                <a:spcPts val="0"/>
+              </a:spcAft>
+              <a:buSzPts val="1800"/>
+              <a:buChar char="●"/>
+            </a:pPr>
+            <a:r>
+              <a:rPr lang="en-GB"/>
+              <a:t>Monitor performance metrics across demographic subgroups.</a:t>
+            </a:r>
+            <a:endParaRPr/>
+          </a:p>
+          <a:p>
+            <a:pPr indent="0" lvl="0" marL="457200" rtl="0" algn="l">
+              <a:lnSpc>
+                <a:spcPct val="150000"/>
+              </a:lnSpc>
+              <a:spcBef>
+                <a:spcPts val="300"/>
+              </a:spcBef>
+              <a:spcAft>
+                <a:spcPts val="300"/>
+              </a:spcAft>
+              <a:buNone/>
+            </a:pPr>
+            <a:r>
+              <a:t/>
+            </a:r>
+            <a:endParaRPr/>
+          </a:p>
+        </p:txBody>
+      </p:sp>
+    </p:spTree>
+  </p:cSld>
+  <p:clrMapOvr>
+    <a:masterClrMapping/>
+  </p:clrMapOvr>
+</p:sld>
+</file>
+
+<file path=ppt/slides/slide8.xml><?xml version="1.0" encoding="utf-8"?>
+<p:sld xmlns:a="http://schemas.openxmlformats.org/drawingml/2006/main" xmlns:r="http://schemas.openxmlformats.org/officeDocument/2006/relationships" xmlns:mc="http://schemas.openxmlformats.org/markup-compatibility/2006" xmlns:mv="urn:schemas-microsoft-com:mac:vml" xmlns:p="http://schemas.openxmlformats.org/presentationml/2006/main" xmlns:c="http://schemas.openxmlformats.org/drawingml/2006/chart" xmlns:dgm="http://schemas.openxmlformats.org/drawingml/2006/diagram" xmlns:o="urn:schemas-microsoft-com:office:office" xmlns:v="urn:schemas-microsoft-com:vml" xmlns:pvml="urn:schemas-microsoft-com:office:powerpoint" xmlns:com="http://schemas.openxmlformats.org/drawingml/2006/compatibility" xmlns:p14="http://schemas.microsoft.com/office/powerpoint/2010/main" xmlns:p15="http://schemas.microsoft.com/office/powerpoint/2012/main" xmlns:ahyp="http://schemas.microsoft.com/office/drawing/2018/hyperlinkcolor">
+  <p:cSld>
+    <p:spTree>
+      <p:nvGrpSpPr>
+        <p:cNvPr id="272" name="Shape 272"/>
+        <p:cNvGrpSpPr/>
+        <p:nvPr/>
+      </p:nvGrpSpPr>
+      <p:grpSpPr>
+        <a:xfrm>
+          <a:off x="0" y="0"/>
+          <a:ext cx="0" cy="0"/>
+          <a:chOff x="0" y="0"/>
+          <a:chExt cx="0" cy="0"/>
+        </a:xfrm>
+      </p:grpSpPr>
+      <p:sp>
+        <p:nvSpPr>
+          <p:cNvPr id="273" name="Google Shape;273;p36"/>
+          <p:cNvSpPr txBox="1"/>
+          <p:nvPr>
+            <p:ph type="title"/>
+          </p:nvPr>
+        </p:nvSpPr>
+        <p:spPr>
+          <a:xfrm>
+            <a:off x="358776" y="108001"/>
+            <a:ext cx="6877200" cy="927600"/>
+          </a:xfrm>
+          <a:prstGeom prst="rect">
+            <a:avLst/>
+          </a:prstGeom>
+        </p:spPr>
+        <p:txBody>
+          <a:bodyPr anchorCtr="0" anchor="b" bIns="180000" lIns="0" spcFirstLastPara="1" rIns="0" wrap="square" tIns="0">
+            <a:noAutofit/>
+          </a:bodyPr>
+          <a:lstStyle/>
+          <a:p>
+            <a:pPr indent="0" lvl="0" marL="0" rtl="0" algn="l">
+              <a:spcBef>
+                <a:spcPts val="0"/>
+              </a:spcBef>
+              <a:spcAft>
+                <a:spcPts val="0"/>
+              </a:spcAft>
+              <a:buNone/>
+            </a:pPr>
+            <a:r>
+              <a:rPr lang="en-GB"/>
+              <a:t>Specification 2</a:t>
+            </a:r>
+            <a:endParaRPr/>
+          </a:p>
+        </p:txBody>
+      </p:sp>
+      <p:sp>
+        <p:nvSpPr>
+          <p:cNvPr id="274" name="Google Shape;274;p36"/>
+          <p:cNvSpPr txBox="1"/>
+          <p:nvPr>
+            <p:ph idx="12" type="sldNum"/>
+          </p:nvPr>
+        </p:nvSpPr>
+        <p:spPr>
+          <a:xfrm>
+            <a:off x="7416801" y="4623195"/>
+            <a:ext cx="1547700" cy="180600"/>
+          </a:xfrm>
+          <a:prstGeom prst="rect">
+            <a:avLst/>
+          </a:prstGeom>
+        </p:spPr>
+        <p:txBody>
+          <a:bodyPr anchorCtr="0" anchor="b" bIns="0" lIns="108000" spcFirstLastPara="1" rIns="0" wrap="square" tIns="0">
+            <a:noAutofit/>
+          </a:bodyPr>
+          <a:lstStyle/>
+          <a:p>
+            <a:pPr indent="0" lvl="0" marL="0" rtl="0" algn="r">
+              <a:spcBef>
+                <a:spcPts val="0"/>
+              </a:spcBef>
+              <a:spcAft>
+                <a:spcPts val="0"/>
+              </a:spcAft>
+              <a:buNone/>
+            </a:pPr>
+            <a:fld id="{00000000-1234-1234-1234-123412341234}" type="slidenum">
+              <a:rPr lang="en-GB"/>
+              <a:t>‹#›</a:t>
+            </a:fld>
+            <a:endParaRPr/>
+          </a:p>
+        </p:txBody>
+      </p:sp>
+      <p:sp>
+        <p:nvSpPr>
+          <p:cNvPr id="275" name="Google Shape;275;p36"/>
           <p:cNvSpPr txBox="1"/>
           <p:nvPr>
             <p:ph idx="1" type="body"/>
@@ -22557,694 +23244,286 @@
 </p:sld>
 </file>
 
-<file path=ppt/slides/slide6.xml><?xml version="1.0" encoding="utf-8"?>
-<p:sld xmlns:a="http://schemas.openxmlformats.org/drawingml/2006/main" xmlns:r="http://schemas.openxmlformats.org/officeDocument/2006/relationships" xmlns:mc="http://schemas.openxmlformats.org/markup-compatibility/2006" xmlns:mv="urn:schemas-microsoft-com:mac:vml" xmlns:p="http://schemas.openxmlformats.org/presentationml/2006/main" xmlns:c="http://schemas.openxmlformats.org/drawingml/2006/chart" xmlns:dgm="http://schemas.openxmlformats.org/drawingml/2006/diagram" xmlns:o="urn:schemas-microsoft-com:office:office" xmlns:v="urn:schemas-microsoft-com:vml" xmlns:pvml="urn:schemas-microsoft-com:office:powerpoint" xmlns:com="http://schemas.openxmlformats.org/drawingml/2006/compatibility" xmlns:p14="http://schemas.microsoft.com/office/powerpoint/2010/main" xmlns:p15="http://schemas.microsoft.com/office/powerpoint/2012/main" xmlns:ahyp="http://schemas.microsoft.com/office/drawing/2018/hyperlinkcolor">
-  <p:cSld>
-    <p:spTree>
-      <p:nvGrpSpPr>
-        <p:cNvPr id="256" name="Shape 256"/>
-        <p:cNvGrpSpPr/>
-        <p:nvPr/>
-      </p:nvGrpSpPr>
-      <p:grpSpPr>
-        <a:xfrm>
-          <a:off x="0" y="0"/>
-          <a:ext cx="0" cy="0"/>
-          <a:chOff x="0" y="0"/>
-          <a:chExt cx="0" cy="0"/>
-        </a:xfrm>
-      </p:grpSpPr>
-      <p:sp>
-        <p:nvSpPr>
-          <p:cNvPr id="257" name="Google Shape;257;p34"/>
-          <p:cNvSpPr txBox="1"/>
-          <p:nvPr>
-            <p:ph type="title"/>
-          </p:nvPr>
-        </p:nvSpPr>
-        <p:spPr>
-          <a:xfrm>
-            <a:off x="358776" y="108001"/>
-            <a:ext cx="6877200" cy="927600"/>
-          </a:xfrm>
-          <a:prstGeom prst="rect">
-            <a:avLst/>
-          </a:prstGeom>
-        </p:spPr>
-        <p:txBody>
-          <a:bodyPr anchorCtr="0" anchor="b" bIns="180000" lIns="0" spcFirstLastPara="1" rIns="0" wrap="square" tIns="0">
-            <a:noAutofit/>
-          </a:bodyPr>
-          <a:lstStyle/>
-          <a:p>
-            <a:pPr indent="0" lvl="0" marL="0" rtl="0" algn="l">
-              <a:spcBef>
-                <a:spcPts val="0"/>
-              </a:spcBef>
-              <a:spcAft>
-                <a:spcPts val="0"/>
-              </a:spcAft>
-              <a:buNone/>
-            </a:pPr>
-            <a:r>
-              <a:rPr lang="en-GB"/>
-              <a:t>Prompting</a:t>
-            </a:r>
-            <a:endParaRPr/>
-          </a:p>
-        </p:txBody>
-      </p:sp>
-      <p:sp>
-        <p:nvSpPr>
-          <p:cNvPr id="258" name="Google Shape;258;p34"/>
-          <p:cNvSpPr txBox="1"/>
-          <p:nvPr>
-            <p:ph idx="12" type="sldNum"/>
-          </p:nvPr>
-        </p:nvSpPr>
-        <p:spPr>
-          <a:xfrm>
-            <a:off x="7416801" y="4623195"/>
-            <a:ext cx="1547700" cy="180600"/>
-          </a:xfrm>
-          <a:prstGeom prst="rect">
-            <a:avLst/>
-          </a:prstGeom>
-        </p:spPr>
-        <p:txBody>
-          <a:bodyPr anchorCtr="0" anchor="b" bIns="0" lIns="108000" spcFirstLastPara="1" rIns="0" wrap="square" tIns="0">
-            <a:noAutofit/>
-          </a:bodyPr>
-          <a:lstStyle/>
-          <a:p>
-            <a:pPr indent="0" lvl="0" marL="0" rtl="0" algn="r">
-              <a:spcBef>
-                <a:spcPts val="0"/>
-              </a:spcBef>
-              <a:spcAft>
-                <a:spcPts val="0"/>
-              </a:spcAft>
-              <a:buNone/>
-            </a:pPr>
-            <a:fld id="{00000000-1234-1234-1234-123412341234}" type="slidenum">
-              <a:rPr lang="en-GB"/>
-              <a:t>‹#›</a:t>
-            </a:fld>
-            <a:endParaRPr/>
-          </a:p>
-        </p:txBody>
-      </p:sp>
-      <p:sp>
-        <p:nvSpPr>
-          <p:cNvPr id="259" name="Google Shape;259;p34"/>
-          <p:cNvSpPr txBox="1"/>
-          <p:nvPr>
-            <p:ph idx="1" type="body"/>
-          </p:nvPr>
-        </p:nvSpPr>
-        <p:spPr>
-          <a:xfrm>
-            <a:off x="358775" y="1239825"/>
-            <a:ext cx="7676400" cy="3564000"/>
-          </a:xfrm>
-          <a:prstGeom prst="rect">
-            <a:avLst/>
-          </a:prstGeom>
-        </p:spPr>
-        <p:txBody>
-          <a:bodyPr anchorCtr="0" anchor="t" bIns="0" lIns="0" spcFirstLastPara="1" rIns="0" wrap="square" tIns="72000">
-            <a:noAutofit/>
-          </a:bodyPr>
-          <a:lstStyle/>
-          <a:p>
-            <a:pPr indent="457200" lvl="0" marL="0" rtl="0" algn="l">
-              <a:lnSpc>
-                <a:spcPct val="150000"/>
-              </a:lnSpc>
-              <a:spcBef>
-                <a:spcPts val="300"/>
-              </a:spcBef>
-              <a:spcAft>
-                <a:spcPts val="0"/>
-              </a:spcAft>
-              <a:buNone/>
-            </a:pPr>
-            <a:r>
-              <a:rPr b="1" lang="en-GB">
-                <a:latin typeface="Oswald"/>
-                <a:ea typeface="Oswald"/>
-                <a:cs typeface="Oswald"/>
-                <a:sym typeface="Oswald"/>
-              </a:rPr>
-              <a:t>Self-Made Prompt</a:t>
-            </a:r>
-            <a:endParaRPr b="1">
-              <a:latin typeface="Oswald"/>
-              <a:ea typeface="Oswald"/>
-              <a:cs typeface="Oswald"/>
-              <a:sym typeface="Oswald"/>
-            </a:endParaRPr>
-          </a:p>
-          <a:p>
-            <a:pPr indent="-342900" lvl="0" marL="457200" rtl="0" algn="l">
-              <a:lnSpc>
-                <a:spcPct val="150000"/>
-              </a:lnSpc>
-              <a:spcBef>
-                <a:spcPts val="300"/>
-              </a:spcBef>
-              <a:spcAft>
-                <a:spcPts val="0"/>
-              </a:spcAft>
-              <a:buSzPts val="1800"/>
-              <a:buChar char="●"/>
-            </a:pPr>
-            <a:r>
-              <a:rPr lang="en-GB"/>
-              <a:t>Basic instructions were provided, as outlined in the project slides.</a:t>
-            </a:r>
-            <a:endParaRPr/>
-          </a:p>
-          <a:p>
-            <a:pPr indent="-342900" lvl="0" marL="457200" rtl="0" algn="l">
-              <a:lnSpc>
-                <a:spcPct val="150000"/>
-              </a:lnSpc>
-              <a:spcBef>
-                <a:spcPts val="0"/>
-              </a:spcBef>
-              <a:spcAft>
-                <a:spcPts val="0"/>
-              </a:spcAft>
-              <a:buSzPts val="1800"/>
-              <a:buChar char="●"/>
-            </a:pPr>
-            <a:r>
-              <a:rPr lang="en-GB"/>
-              <a:t>Additional prompting was required to achieve a result.</a:t>
-            </a:r>
-            <a:endParaRPr/>
-          </a:p>
-          <a:p>
-            <a:pPr indent="457200" lvl="0" marL="0" rtl="0" algn="l">
-              <a:lnSpc>
-                <a:spcPct val="150000"/>
-              </a:lnSpc>
-              <a:spcBef>
-                <a:spcPts val="300"/>
-              </a:spcBef>
-              <a:spcAft>
-                <a:spcPts val="0"/>
-              </a:spcAft>
-              <a:buNone/>
-            </a:pPr>
-            <a:r>
-              <a:rPr b="1" lang="en-GB">
-                <a:latin typeface="Oswald"/>
-                <a:ea typeface="Oswald"/>
-                <a:cs typeface="Oswald"/>
-                <a:sym typeface="Oswald"/>
-              </a:rPr>
-              <a:t>LLM-Generated Prompt</a:t>
-            </a:r>
-            <a:endParaRPr b="1">
-              <a:latin typeface="Oswald"/>
-              <a:ea typeface="Oswald"/>
-              <a:cs typeface="Oswald"/>
-              <a:sym typeface="Oswald"/>
-            </a:endParaRPr>
-          </a:p>
-          <a:p>
-            <a:pPr indent="-342900" lvl="0" marL="457200" rtl="0" algn="l">
-              <a:lnSpc>
-                <a:spcPct val="150000"/>
-              </a:lnSpc>
-              <a:spcBef>
-                <a:spcPts val="300"/>
-              </a:spcBef>
-              <a:spcAft>
-                <a:spcPts val="0"/>
-              </a:spcAft>
-              <a:buSzPts val="1800"/>
-              <a:buChar char="●"/>
-            </a:pPr>
-            <a:r>
-              <a:rPr lang="en-GB"/>
-              <a:t>Included specific commands to eliminate redundant information.</a:t>
-            </a:r>
-            <a:endParaRPr/>
-          </a:p>
-          <a:p>
-            <a:pPr indent="-342900" lvl="0" marL="457200" rtl="0" algn="l">
-              <a:lnSpc>
-                <a:spcPct val="150000"/>
-              </a:lnSpc>
-              <a:spcBef>
-                <a:spcPts val="0"/>
-              </a:spcBef>
-              <a:spcAft>
-                <a:spcPts val="0"/>
-              </a:spcAft>
-              <a:buSzPts val="1800"/>
-              <a:buChar char="●"/>
-            </a:pPr>
-            <a:r>
-              <a:rPr lang="en-GB"/>
-              <a:t>Required less additional prompting compared to the first approach.</a:t>
-            </a:r>
-            <a:endParaRPr/>
-          </a:p>
-          <a:p>
-            <a:pPr indent="457200" lvl="0" marL="0" rtl="0" algn="l">
-              <a:lnSpc>
-                <a:spcPct val="150000"/>
-              </a:lnSpc>
-              <a:spcBef>
-                <a:spcPts val="300"/>
-              </a:spcBef>
-              <a:spcAft>
-                <a:spcPts val="0"/>
-              </a:spcAft>
-              <a:buNone/>
-            </a:pPr>
-            <a:r>
-              <a:rPr b="1" lang="en-GB">
-                <a:latin typeface="Oswald"/>
-                <a:ea typeface="Oswald"/>
-                <a:cs typeface="Oswald"/>
-                <a:sym typeface="Oswald"/>
-              </a:rPr>
-              <a:t>LLM-Generated Prompt w/ Roleplay</a:t>
-            </a:r>
-            <a:endParaRPr b="1">
-              <a:latin typeface="Oswald"/>
-              <a:ea typeface="Oswald"/>
-              <a:cs typeface="Oswald"/>
-              <a:sym typeface="Oswald"/>
-            </a:endParaRPr>
-          </a:p>
-          <a:p>
-            <a:pPr indent="-342900" lvl="0" marL="457200" rtl="0" algn="l">
-              <a:lnSpc>
-                <a:spcPct val="150000"/>
-              </a:lnSpc>
-              <a:spcBef>
-                <a:spcPts val="300"/>
-              </a:spcBef>
-              <a:spcAft>
-                <a:spcPts val="0"/>
-              </a:spcAft>
-              <a:buSzPts val="1800"/>
-              <a:buChar char="●"/>
-            </a:pPr>
-            <a:r>
-              <a:rPr lang="en-GB"/>
-              <a:t>The LLM assumed the role of a Software Engineer/Data Scientist working in a company.</a:t>
-            </a:r>
-            <a:endParaRPr/>
-          </a:p>
-          <a:p>
-            <a:pPr indent="-342900" lvl="0" marL="457200" rtl="0" algn="l">
-              <a:lnSpc>
-                <a:spcPct val="150000"/>
-              </a:lnSpc>
-              <a:spcBef>
-                <a:spcPts val="0"/>
-              </a:spcBef>
-              <a:spcAft>
-                <a:spcPts val="0"/>
-              </a:spcAft>
-              <a:buSzPts val="1800"/>
-              <a:buChar char="●"/>
-            </a:pPr>
-            <a:r>
-              <a:rPr lang="en-GB"/>
-              <a:t>The effort required was similar to the second approach.</a:t>
-            </a:r>
-            <a:endParaRPr/>
-          </a:p>
-        </p:txBody>
-      </p:sp>
-    </p:spTree>
-  </p:cSld>
-  <p:clrMapOvr>
-    <a:masterClrMapping/>
-  </p:clrMapOvr>
-</p:sld>
+<file path=ppt/theme/theme1.xml><?xml version="1.0" encoding="utf-8"?>
+<a:theme xmlns:a="http://schemas.openxmlformats.org/drawingml/2006/main" xmlns:r="http://schemas.openxmlformats.org/officeDocument/2006/relationships" name="TEMPLATE_Fakultät_11_EXP v201702">
+  <a:themeElements>
+    <a:clrScheme name="HPI">
+      <a:dk1>
+        <a:srgbClr val="323232"/>
+      </a:dk1>
+      <a:lt1>
+        <a:srgbClr val="FFFFFF"/>
+      </a:lt1>
+      <a:dk2>
+        <a:srgbClr val="969696"/>
+      </a:dk2>
+      <a:lt2>
+        <a:srgbClr val="5A6166"/>
+      </a:lt2>
+      <a:accent1>
+        <a:srgbClr val="B1063A"/>
+      </a:accent1>
+      <a:accent2>
+        <a:srgbClr val="DD640C"/>
+      </a:accent2>
+      <a:accent3>
+        <a:srgbClr val="F6A800"/>
+      </a:accent3>
+      <a:accent4>
+        <a:srgbClr val="007A9E"/>
+      </a:accent4>
+      <a:accent5>
+        <a:srgbClr val="B4B4B4"/>
+      </a:accent5>
+      <a:accent6>
+        <a:srgbClr val="DCDCDC"/>
+      </a:accent6>
+      <a:hlink>
+        <a:srgbClr val="B1063A"/>
+      </a:hlink>
+      <a:folHlink>
+        <a:srgbClr val="B1063A"/>
+      </a:folHlink>
+    </a:clrScheme>
+    <a:fontScheme name="Office">
+      <a:majorFont>
+        <a:latin typeface="Arial"/>
+        <a:ea typeface=""/>
+        <a:cs typeface=""/>
+        <a:font script="Jpan" typeface="ＭＳ Ｐゴシック"/>
+        <a:font script="Hang" typeface="맑은 고딕"/>
+        <a:font script="Hans" typeface="宋体"/>
+        <a:font script="Hant" typeface="新細明體"/>
+        <a:font script="Arab" typeface="Times New Roman"/>
+        <a:font script="Hebr" typeface="Times New Roman"/>
+        <a:font script="Thai" typeface="Angsana New"/>
+        <a:font script="Ethi" typeface="Nyala"/>
+        <a:font script="Beng" typeface="Vrinda"/>
+        <a:font script="Gujr" typeface="Shruti"/>
+        <a:font script="Khmr" typeface="MoolBoran"/>
+        <a:font script="Knda" typeface="Tunga"/>
+        <a:font script="Guru" typeface="Raavi"/>
+        <a:font script="Cans" typeface="Euphemia"/>
+        <a:font script="Cher" typeface="Plantagenet Cherokee"/>
+        <a:font script="Yiii" typeface="Microsoft Yi Baiti"/>
+        <a:font script="Tibt" typeface="Microsoft Himalaya"/>
+        <a:font script="Thaa" typeface="MV Boli"/>
+        <a:font script="Deva" typeface="Mangal"/>
+        <a:font script="Telu" typeface="Gautami"/>
+        <a:font script="Taml" typeface="Latha"/>
+        <a:font script="Syrc" typeface="Estrangelo Edessa"/>
+        <a:font script="Orya" typeface="Kalinga"/>
+        <a:font script="Mlym" typeface="Kartika"/>
+        <a:font script="Laoo" typeface="DokChampa"/>
+        <a:font script="Sinh" typeface="Iskoola Pota"/>
+        <a:font script="Mong" typeface="Mongolian Baiti"/>
+        <a:font script="Viet" typeface="Times New Roman"/>
+        <a:font script="Uigh" typeface="Microsoft Uighur"/>
+        <a:font script="Geor" typeface="Sylfaen"/>
+      </a:majorFont>
+      <a:minorFont>
+        <a:latin typeface="Arial"/>
+        <a:ea typeface=""/>
+        <a:cs typeface=""/>
+        <a:font script="Jpan" typeface="ＭＳ Ｐゴシック"/>
+        <a:font script="Hang" typeface="맑은 고딕"/>
+        <a:font script="Hans" typeface="宋体"/>
+        <a:font script="Hant" typeface="新細明體"/>
+        <a:font script="Arab" typeface="Arial"/>
+        <a:font script="Hebr" typeface="Arial"/>
+        <a:font script="Thai" typeface="Cordia New"/>
+        <a:font script="Ethi" typeface="Nyala"/>
+        <a:font script="Beng" typeface="Vrinda"/>
+        <a:font script="Gujr" typeface="Shruti"/>
+        <a:font script="Khmr" typeface="DaunPenh"/>
+        <a:font script="Knda" typeface="Tunga"/>
+        <a:font script="Guru" typeface="Raavi"/>
+        <a:font script="Cans" typeface="Euphemia"/>
+        <a:font script="Cher" typeface="Plantagenet Cherokee"/>
+        <a:font script="Yiii" typeface="Microsoft Yi Baiti"/>
+        <a:font script="Tibt" typeface="Microsoft Himalaya"/>
+        <a:font script="Thaa" typeface="MV Boli"/>
+        <a:font script="Deva" typeface="Mangal"/>
+        <a:font script="Telu" typeface="Gautami"/>
+        <a:font script="Taml" typeface="Latha"/>
+        <a:font script="Syrc" typeface="Estrangelo Edessa"/>
+        <a:font script="Orya" typeface="Kalinga"/>
+        <a:font script="Mlym" typeface="Kartika"/>
+        <a:font script="Laoo" typeface="DokChampa"/>
+        <a:font script="Sinh" typeface="Iskoola Pota"/>
+        <a:font script="Mong" typeface="Mongolian Baiti"/>
+        <a:font script="Viet" typeface="Arial"/>
+        <a:font script="Uigh" typeface="Microsoft Uighur"/>
+        <a:font script="Geor" typeface="Sylfaen"/>
+      </a:minorFont>
+    </a:fontScheme>
+    <a:fmtScheme name="Office">
+      <a:fillStyleLst>
+        <a:solidFill>
+          <a:schemeClr val="phClr"/>
+        </a:solidFill>
+        <a:gradFill rotWithShape="1">
+          <a:gsLst>
+            <a:gs pos="0">
+              <a:schemeClr val="phClr">
+                <a:tint val="50000"/>
+                <a:satMod val="300000"/>
+              </a:schemeClr>
+            </a:gs>
+            <a:gs pos="35000">
+              <a:schemeClr val="phClr">
+                <a:tint val="37000"/>
+                <a:satMod val="300000"/>
+              </a:schemeClr>
+            </a:gs>
+            <a:gs pos="100000">
+              <a:schemeClr val="phClr">
+                <a:tint val="15000"/>
+                <a:satMod val="350000"/>
+              </a:schemeClr>
+            </a:gs>
+          </a:gsLst>
+          <a:lin ang="16200000" scaled="1"/>
+        </a:gradFill>
+        <a:gradFill rotWithShape="1">
+          <a:gsLst>
+            <a:gs pos="0">
+              <a:schemeClr val="phClr">
+                <a:tint val="100000"/>
+                <a:shade val="100000"/>
+                <a:satMod val="130000"/>
+              </a:schemeClr>
+            </a:gs>
+            <a:gs pos="100000">
+              <a:schemeClr val="phClr">
+                <a:tint val="50000"/>
+                <a:shade val="100000"/>
+                <a:satMod val="350000"/>
+              </a:schemeClr>
+            </a:gs>
+          </a:gsLst>
+          <a:lin ang="16200000" scaled="0"/>
+        </a:gradFill>
+      </a:fillStyleLst>
+      <a:lnStyleLst>
+        <a:ln w="9525" cap="flat" cmpd="sng" algn="ctr">
+          <a:solidFill>
+            <a:schemeClr val="phClr">
+              <a:shade val="95000"/>
+              <a:satMod val="105000"/>
+            </a:schemeClr>
+          </a:solidFill>
+          <a:prstDash val="solid"/>
+        </a:ln>
+        <a:ln w="25400" cap="flat" cmpd="sng" algn="ctr">
+          <a:solidFill>
+            <a:schemeClr val="phClr"/>
+          </a:solidFill>
+          <a:prstDash val="solid"/>
+        </a:ln>
+        <a:ln w="38100" cap="flat" cmpd="sng" algn="ctr">
+          <a:solidFill>
+            <a:schemeClr val="phClr"/>
+          </a:solidFill>
+          <a:prstDash val="solid"/>
+        </a:ln>
+      </a:lnStyleLst>
+      <a:effectStyleLst>
+        <a:effectStyle>
+          <a:effectLst>
+            <a:outerShdw blurRad="40000" dist="20000" dir="5400000" rotWithShape="0">
+              <a:srgbClr val="000000">
+                <a:alpha val="38000"/>
+              </a:srgbClr>
+            </a:outerShdw>
+          </a:effectLst>
+        </a:effectStyle>
+        <a:effectStyle>
+          <a:effectLst>
+            <a:outerShdw blurRad="40000" dist="23000" dir="5400000" rotWithShape="0">
+              <a:srgbClr val="000000">
+                <a:alpha val="35000"/>
+              </a:srgbClr>
+            </a:outerShdw>
+          </a:effectLst>
+        </a:effectStyle>
+        <a:effectStyle>
+          <a:effectLst>
+            <a:outerShdw blurRad="40000" dist="23000" dir="5400000" rotWithShape="0">
+              <a:srgbClr val="000000">
+                <a:alpha val="35000"/>
+              </a:srgbClr>
+            </a:outerShdw>
+          </a:effectLst>
+          <a:scene3d>
+            <a:camera prst="orthographicFront">
+              <a:rot lat="0" lon="0" rev="0"/>
+            </a:camera>
+            <a:lightRig rig="threePt" dir="t">
+              <a:rot lat="0" lon="0" rev="1200000"/>
+            </a:lightRig>
+          </a:scene3d>
+          <a:sp3d>
+            <a:bevelT w="63500" h="25400"/>
+          </a:sp3d>
+        </a:effectStyle>
+      </a:effectStyleLst>
+      <a:bgFillStyleLst>
+        <a:solidFill>
+          <a:schemeClr val="phClr"/>
+        </a:solidFill>
+        <a:gradFill rotWithShape="1">
+          <a:gsLst>
+            <a:gs pos="0">
+              <a:schemeClr val="phClr">
+                <a:tint val="40000"/>
+                <a:satMod val="350000"/>
+              </a:schemeClr>
+            </a:gs>
+            <a:gs pos="40000">
+              <a:schemeClr val="phClr">
+                <a:tint val="45000"/>
+                <a:shade val="99000"/>
+                <a:satMod val="350000"/>
+              </a:schemeClr>
+            </a:gs>
+            <a:gs pos="100000">
+              <a:schemeClr val="phClr">
+                <a:shade val="20000"/>
+                <a:satMod val="255000"/>
+              </a:schemeClr>
+            </a:gs>
+          </a:gsLst>
+          <a:path path="circle">
+            <a:fillToRect l="50000" t="-80000" r="50000" b="180000"/>
+          </a:path>
+        </a:gradFill>
+        <a:gradFill rotWithShape="1">
+          <a:gsLst>
+            <a:gs pos="0">
+              <a:schemeClr val="phClr">
+                <a:tint val="80000"/>
+                <a:satMod val="300000"/>
+              </a:schemeClr>
+            </a:gs>
+            <a:gs pos="100000">
+              <a:schemeClr val="phClr">
+                <a:shade val="30000"/>
+                <a:satMod val="200000"/>
+              </a:schemeClr>
+            </a:gs>
+          </a:gsLst>
+          <a:path path="circle">
+            <a:fillToRect l="50000" t="50000" r="50000" b="50000"/>
+          </a:path>
+        </a:gradFill>
+      </a:bgFillStyleLst>
+    </a:fmtScheme>
+  </a:themeElements>
+</a:theme>
 </file>
 
-<file path=ppt/slides/slide7.xml><?xml version="1.0" encoding="utf-8"?>
-<p:sld xmlns:a="http://schemas.openxmlformats.org/drawingml/2006/main" xmlns:r="http://schemas.openxmlformats.org/officeDocument/2006/relationships" xmlns:mc="http://schemas.openxmlformats.org/markup-compatibility/2006" xmlns:mv="urn:schemas-microsoft-com:mac:vml" xmlns:p="http://schemas.openxmlformats.org/presentationml/2006/main" xmlns:c="http://schemas.openxmlformats.org/drawingml/2006/chart" xmlns:dgm="http://schemas.openxmlformats.org/drawingml/2006/diagram" xmlns:o="urn:schemas-microsoft-com:office:office" xmlns:v="urn:schemas-microsoft-com:vml" xmlns:pvml="urn:schemas-microsoft-com:office:powerpoint" xmlns:com="http://schemas.openxmlformats.org/drawingml/2006/compatibility" xmlns:p14="http://schemas.microsoft.com/office/powerpoint/2010/main" xmlns:p15="http://schemas.microsoft.com/office/powerpoint/2012/main" xmlns:ahyp="http://schemas.microsoft.com/office/drawing/2018/hyperlinkcolor">
-  <p:cSld>
-    <p:spTree>
-      <p:nvGrpSpPr>
-        <p:cNvPr id="263" name="Shape 263"/>
-        <p:cNvGrpSpPr/>
-        <p:nvPr/>
-      </p:nvGrpSpPr>
-      <p:grpSpPr>
-        <a:xfrm>
-          <a:off x="0" y="0"/>
-          <a:ext cx="0" cy="0"/>
-          <a:chOff x="0" y="0"/>
-          <a:chExt cx="0" cy="0"/>
-        </a:xfrm>
-      </p:grpSpPr>
-      <p:sp>
-        <p:nvSpPr>
-          <p:cNvPr id="264" name="Google Shape;264;p35"/>
-          <p:cNvSpPr txBox="1"/>
-          <p:nvPr>
-            <p:ph type="title"/>
-          </p:nvPr>
-        </p:nvSpPr>
-        <p:spPr>
-          <a:xfrm>
-            <a:off x="358776" y="108001"/>
-            <a:ext cx="6877200" cy="927600"/>
-          </a:xfrm>
-          <a:prstGeom prst="rect">
-            <a:avLst/>
-          </a:prstGeom>
-        </p:spPr>
-        <p:txBody>
-          <a:bodyPr anchorCtr="0" anchor="b" bIns="180000" lIns="0" spcFirstLastPara="1" rIns="0" wrap="square" tIns="0">
-            <a:noAutofit/>
-          </a:bodyPr>
-          <a:lstStyle/>
-          <a:p>
-            <a:pPr indent="0" lvl="0" marL="0" rtl="0" algn="l">
-              <a:spcBef>
-                <a:spcPts val="0"/>
-              </a:spcBef>
-              <a:spcAft>
-                <a:spcPts val="0"/>
-              </a:spcAft>
-              <a:buNone/>
-            </a:pPr>
-            <a:r>
-              <a:rPr lang="en-GB"/>
-              <a:t>LLM Prompting Approach 1</a:t>
-            </a:r>
-            <a:endParaRPr/>
-          </a:p>
-        </p:txBody>
-      </p:sp>
-      <p:sp>
-        <p:nvSpPr>
-          <p:cNvPr id="265" name="Google Shape;265;p35"/>
-          <p:cNvSpPr txBox="1"/>
-          <p:nvPr>
-            <p:ph idx="12" type="sldNum"/>
-          </p:nvPr>
-        </p:nvSpPr>
-        <p:spPr>
-          <a:xfrm>
-            <a:off x="7416801" y="4623195"/>
-            <a:ext cx="1547700" cy="180600"/>
-          </a:xfrm>
-          <a:prstGeom prst="rect">
-            <a:avLst/>
-          </a:prstGeom>
-        </p:spPr>
-        <p:txBody>
-          <a:bodyPr anchorCtr="0" anchor="b" bIns="0" lIns="108000" spcFirstLastPara="1" rIns="0" wrap="square" tIns="0">
-            <a:noAutofit/>
-          </a:bodyPr>
-          <a:lstStyle/>
-          <a:p>
-            <a:pPr indent="0" lvl="0" marL="0" rtl="0" algn="r">
-              <a:spcBef>
-                <a:spcPts val="0"/>
-              </a:spcBef>
-              <a:spcAft>
-                <a:spcPts val="0"/>
-              </a:spcAft>
-              <a:buNone/>
-            </a:pPr>
-            <a:fld id="{00000000-1234-1234-1234-123412341234}" type="slidenum">
-              <a:rPr lang="en-GB"/>
-              <a:t>‹#›</a:t>
-            </a:fld>
-            <a:endParaRPr/>
-          </a:p>
-        </p:txBody>
-      </p:sp>
-      <p:sp>
-        <p:nvSpPr>
-          <p:cNvPr id="266" name="Google Shape;266;p35"/>
-          <p:cNvSpPr txBox="1"/>
-          <p:nvPr>
-            <p:ph idx="1" type="body"/>
-          </p:nvPr>
-        </p:nvSpPr>
-        <p:spPr>
-          <a:xfrm>
-            <a:off x="358775" y="1239825"/>
-            <a:ext cx="7676400" cy="3564000"/>
-          </a:xfrm>
-          <a:prstGeom prst="rect">
-            <a:avLst/>
-          </a:prstGeom>
-        </p:spPr>
-        <p:txBody>
-          <a:bodyPr anchorCtr="0" anchor="t" bIns="0" lIns="0" spcFirstLastPara="1" rIns="0" wrap="square" tIns="72000">
-            <a:noAutofit/>
-          </a:bodyPr>
-          <a:lstStyle/>
-          <a:p>
-            <a:pPr indent="0" lvl="0" marL="0" rtl="0" algn="l">
-              <a:lnSpc>
-                <a:spcPct val="150000"/>
-              </a:lnSpc>
-              <a:spcBef>
-                <a:spcPts val="300"/>
-              </a:spcBef>
-              <a:spcAft>
-                <a:spcPts val="300"/>
-              </a:spcAft>
-              <a:buNone/>
-            </a:pPr>
-            <a:r>
-              <a:rPr lang="en-GB"/>
-              <a:t> </a:t>
-            </a:r>
-            <a:endParaRPr/>
-          </a:p>
-        </p:txBody>
-      </p:sp>
-      <p:pic>
-        <p:nvPicPr>
-          <p:cNvPr id="267" name="Google Shape;267;p35"/>
-          <p:cNvPicPr preferRelativeResize="0"/>
-          <p:nvPr/>
-        </p:nvPicPr>
-        <p:blipFill>
-          <a:blip r:embed="rId3">
-            <a:alphaModFix/>
-          </a:blip>
-          <a:stretch>
-            <a:fillRect/>
-          </a:stretch>
-        </p:blipFill>
-        <p:spPr>
-          <a:xfrm>
-            <a:off x="421700" y="1710974"/>
-            <a:ext cx="8300600" cy="2621700"/>
-          </a:xfrm>
-          <a:prstGeom prst="rect">
-            <a:avLst/>
-          </a:prstGeom>
-          <a:noFill/>
-          <a:ln>
-            <a:noFill/>
-          </a:ln>
-        </p:spPr>
-      </p:pic>
-    </p:spTree>
-  </p:cSld>
-  <p:clrMapOvr>
-    <a:masterClrMapping/>
-  </p:clrMapOvr>
-</p:sld>
-</file>
-
-<file path=ppt/slides/slide8.xml><?xml version="1.0" encoding="utf-8"?>
-<p:sld xmlns:a="http://schemas.openxmlformats.org/drawingml/2006/main" xmlns:r="http://schemas.openxmlformats.org/officeDocument/2006/relationships" xmlns:mc="http://schemas.openxmlformats.org/markup-compatibility/2006" xmlns:mv="urn:schemas-microsoft-com:mac:vml" xmlns:p="http://schemas.openxmlformats.org/presentationml/2006/main" xmlns:c="http://schemas.openxmlformats.org/drawingml/2006/chart" xmlns:dgm="http://schemas.openxmlformats.org/drawingml/2006/diagram" xmlns:o="urn:schemas-microsoft-com:office:office" xmlns:v="urn:schemas-microsoft-com:vml" xmlns:pvml="urn:schemas-microsoft-com:office:powerpoint" xmlns:com="http://schemas.openxmlformats.org/drawingml/2006/compatibility" xmlns:p14="http://schemas.microsoft.com/office/powerpoint/2010/main" xmlns:p15="http://schemas.microsoft.com/office/powerpoint/2012/main" xmlns:ahyp="http://schemas.microsoft.com/office/drawing/2018/hyperlinkcolor">
-  <p:cSld>
-    <p:spTree>
-      <p:nvGrpSpPr>
-        <p:cNvPr id="271" name="Shape 271"/>
-        <p:cNvGrpSpPr/>
-        <p:nvPr/>
-      </p:nvGrpSpPr>
-      <p:grpSpPr>
-        <a:xfrm>
-          <a:off x="0" y="0"/>
-          <a:ext cx="0" cy="0"/>
-          <a:chOff x="0" y="0"/>
-          <a:chExt cx="0" cy="0"/>
-        </a:xfrm>
-      </p:grpSpPr>
-      <p:sp>
-        <p:nvSpPr>
-          <p:cNvPr id="272" name="Google Shape;272;p36"/>
-          <p:cNvSpPr txBox="1"/>
-          <p:nvPr>
-            <p:ph type="title"/>
-          </p:nvPr>
-        </p:nvSpPr>
-        <p:spPr>
-          <a:xfrm>
-            <a:off x="358776" y="108001"/>
-            <a:ext cx="6877200" cy="927600"/>
-          </a:xfrm>
-          <a:prstGeom prst="rect">
-            <a:avLst/>
-          </a:prstGeom>
-        </p:spPr>
-        <p:txBody>
-          <a:bodyPr anchorCtr="0" anchor="b" bIns="180000" lIns="0" spcFirstLastPara="1" rIns="0" wrap="square" tIns="0">
-            <a:noAutofit/>
-          </a:bodyPr>
-          <a:lstStyle/>
-          <a:p>
-            <a:pPr indent="0" lvl="0" marL="0" rtl="0" algn="l">
-              <a:spcBef>
-                <a:spcPts val="0"/>
-              </a:spcBef>
-              <a:spcAft>
-                <a:spcPts val="0"/>
-              </a:spcAft>
-              <a:buNone/>
-            </a:pPr>
-            <a:r>
-              <a:rPr lang="en-GB"/>
-              <a:t>Metrics / Failing Method</a:t>
-            </a:r>
-            <a:endParaRPr/>
-          </a:p>
-        </p:txBody>
-      </p:sp>
-      <p:sp>
-        <p:nvSpPr>
-          <p:cNvPr id="273" name="Google Shape;273;p36"/>
-          <p:cNvSpPr txBox="1"/>
-          <p:nvPr>
-            <p:ph idx="12" type="sldNum"/>
-          </p:nvPr>
-        </p:nvSpPr>
-        <p:spPr>
-          <a:xfrm>
-            <a:off x="7416801" y="4623195"/>
-            <a:ext cx="1547700" cy="180600"/>
-          </a:xfrm>
-          <a:prstGeom prst="rect">
-            <a:avLst/>
-          </a:prstGeom>
-        </p:spPr>
-        <p:txBody>
-          <a:bodyPr anchorCtr="0" anchor="b" bIns="0" lIns="108000" spcFirstLastPara="1" rIns="0" wrap="square" tIns="0">
-            <a:noAutofit/>
-          </a:bodyPr>
-          <a:lstStyle/>
-          <a:p>
-            <a:pPr indent="0" lvl="0" marL="0" rtl="0" algn="r">
-              <a:spcBef>
-                <a:spcPts val="0"/>
-              </a:spcBef>
-              <a:spcAft>
-                <a:spcPts val="0"/>
-              </a:spcAft>
-              <a:buNone/>
-            </a:pPr>
-            <a:fld id="{00000000-1234-1234-1234-123412341234}" type="slidenum">
-              <a:rPr lang="en-GB"/>
-              <a:t>‹#›</a:t>
-            </a:fld>
-            <a:endParaRPr/>
-          </a:p>
-        </p:txBody>
-      </p:sp>
-      <p:sp>
-        <p:nvSpPr>
-          <p:cNvPr id="274" name="Google Shape;274;p36"/>
-          <p:cNvSpPr txBox="1"/>
-          <p:nvPr>
-            <p:ph idx="1" type="body"/>
-          </p:nvPr>
-        </p:nvSpPr>
-        <p:spPr>
-          <a:xfrm>
-            <a:off x="358775" y="1239825"/>
-            <a:ext cx="7676400" cy="3564000"/>
-          </a:xfrm>
-          <a:prstGeom prst="rect">
-            <a:avLst/>
-          </a:prstGeom>
-        </p:spPr>
-        <p:txBody>
-          <a:bodyPr anchorCtr="0" anchor="t" bIns="0" lIns="0" spcFirstLastPara="1" rIns="0" wrap="square" tIns="72000">
-            <a:noAutofit/>
-          </a:bodyPr>
-          <a:lstStyle/>
-          <a:p>
-            <a:pPr indent="0" lvl="0" marL="0" rtl="0" algn="l">
-              <a:lnSpc>
-                <a:spcPct val="150000"/>
-              </a:lnSpc>
-              <a:spcBef>
-                <a:spcPts val="300"/>
-              </a:spcBef>
-              <a:spcAft>
-                <a:spcPts val="300"/>
-              </a:spcAft>
-              <a:buNone/>
-            </a:pPr>
-            <a:r>
-              <a:t/>
-            </a:r>
-            <a:endParaRPr/>
-          </a:p>
-        </p:txBody>
-      </p:sp>
-      <p:pic>
-        <p:nvPicPr>
-          <p:cNvPr id="275" name="Google Shape;275;p36"/>
-          <p:cNvPicPr preferRelativeResize="0"/>
-          <p:nvPr/>
-        </p:nvPicPr>
-        <p:blipFill>
-          <a:blip r:embed="rId3">
-            <a:alphaModFix/>
-          </a:blip>
-          <a:stretch>
-            <a:fillRect/>
-          </a:stretch>
-        </p:blipFill>
-        <p:spPr>
-          <a:xfrm>
-            <a:off x="387363" y="1765775"/>
-            <a:ext cx="7619225" cy="2512100"/>
-          </a:xfrm>
-          <a:prstGeom prst="rect">
-            <a:avLst/>
-          </a:prstGeom>
-          <a:noFill/>
-          <a:ln>
-            <a:noFill/>
-          </a:ln>
-        </p:spPr>
-      </p:pic>
-    </p:spTree>
-  </p:cSld>
-  <p:clrMapOvr>
-    <a:masterClrMapping/>
-  </p:clrMapOvr>
-</p:sld>
-</file>
-
-<file path=ppt/theme/theme1.xml><?xml version="1.0" encoding="utf-8"?>
+<file path=ppt/theme/theme2.xml><?xml version="1.0" encoding="utf-8"?>
 <a:theme xmlns:a="http://schemas.openxmlformats.org/drawingml/2006/main" xmlns:r="http://schemas.openxmlformats.org/officeDocument/2006/relationships">
   <a:themeElements>
     <a:clrScheme name="Default">
@@ -23523,7 +23802,7 @@
 </a:theme>
 </file>
 
-<file path=ppt/theme/theme2.xml><?xml version="1.0" encoding="utf-8"?>
+<file path=ppt/theme/theme3.xml><?xml version="1.0" encoding="utf-8"?>
 <a:theme xmlns:a="http://schemas.openxmlformats.org/drawingml/2006/main" xmlns:r="http://schemas.openxmlformats.org/officeDocument/2006/relationships" name="Simple Light">
   <a:themeElements>
     <a:clrScheme name="Simple Light">
@@ -23800,283 +24079,4 @@
     </a:fmtScheme>
   </a:themeElements>
 </a:theme>
-</file>
-
-<file path=ppt/theme/theme3.xml><?xml version="1.0" encoding="utf-8"?>
-<a:theme xmlns:a="http://schemas.openxmlformats.org/drawingml/2006/main" xmlns:r="http://schemas.openxmlformats.org/officeDocument/2006/relationships" name="TEMPLATE_Fakultät_11_EXP v201702">
-  <a:themeElements>
-    <a:clrScheme name="HPI">
-      <a:dk1>
-        <a:srgbClr val="323232"/>
-      </a:dk1>
-      <a:lt1>
-        <a:srgbClr val="FFFFFF"/>
-      </a:lt1>
-      <a:dk2>
-        <a:srgbClr val="969696"/>
-      </a:dk2>
-      <a:lt2>
-        <a:srgbClr val="5A6166"/>
-      </a:lt2>
-      <a:accent1>
-        <a:srgbClr val="B1063A"/>
-      </a:accent1>
-      <a:accent2>
-        <a:srgbClr val="DD640C"/>
-      </a:accent2>
-      <a:accent3>
-        <a:srgbClr val="F6A800"/>
-      </a:accent3>
-      <a:accent4>
-        <a:srgbClr val="007A9E"/>
-      </a:accent4>
-      <a:accent5>
-        <a:srgbClr val="B4B4B4"/>
-      </a:accent5>
-      <a:accent6>
-        <a:srgbClr val="DCDCDC"/>
-      </a:accent6>
-      <a:hlink>
-        <a:srgbClr val="B1063A"/>
-      </a:hlink>
-      <a:folHlink>
-        <a:srgbClr val="B1063A"/>
-      </a:folHlink>
-    </a:clrScheme>
-    <a:fontScheme name="Office">
-      <a:majorFont>
-        <a:latin typeface="Arial"/>
-        <a:ea typeface=""/>
-        <a:cs typeface=""/>
-        <a:font script="Jpan" typeface="ＭＳ Ｐゴシック"/>
-        <a:font script="Hang" typeface="맑은 고딕"/>
-        <a:font script="Hans" typeface="宋体"/>
-        <a:font script="Hant" typeface="新細明體"/>
-        <a:font script="Arab" typeface="Times New Roman"/>
-        <a:font script="Hebr" typeface="Times New Roman"/>
-        <a:font script="Thai" typeface="Angsana New"/>
-        <a:font script="Ethi" typeface="Nyala"/>
-        <a:font script="Beng" typeface="Vrinda"/>
-        <a:font script="Gujr" typeface="Shruti"/>
-        <a:font script="Khmr" typeface="MoolBoran"/>
-        <a:font script="Knda" typeface="Tunga"/>
-        <a:font script="Guru" typeface="Raavi"/>
-        <a:font script="Cans" typeface="Euphemia"/>
-        <a:font script="Cher" typeface="Plantagenet Cherokee"/>
-        <a:font script="Yiii" typeface="Microsoft Yi Baiti"/>
-        <a:font script="Tibt" typeface="Microsoft Himalaya"/>
-        <a:font script="Thaa" typeface="MV Boli"/>
-        <a:font script="Deva" typeface="Mangal"/>
-        <a:font script="Telu" typeface="Gautami"/>
-        <a:font script="Taml" typeface="Latha"/>
-        <a:font script="Syrc" typeface="Estrangelo Edessa"/>
-        <a:font script="Orya" typeface="Kalinga"/>
-        <a:font script="Mlym" typeface="Kartika"/>
-        <a:font script="Laoo" typeface="DokChampa"/>
-        <a:font script="Sinh" typeface="Iskoola Pota"/>
-        <a:font script="Mong" typeface="Mongolian Baiti"/>
-        <a:font script="Viet" typeface="Times New Roman"/>
-        <a:font script="Uigh" typeface="Microsoft Uighur"/>
-        <a:font script="Geor" typeface="Sylfaen"/>
-      </a:majorFont>
-      <a:minorFont>
-        <a:latin typeface="Arial"/>
-        <a:ea typeface=""/>
-        <a:cs typeface=""/>
-        <a:font script="Jpan" typeface="ＭＳ Ｐゴシック"/>
-        <a:font script="Hang" typeface="맑은 고딕"/>
-        <a:font script="Hans" typeface="宋体"/>
-        <a:font script="Hant" typeface="新細明體"/>
-        <a:font script="Arab" typeface="Arial"/>
-        <a:font script="Hebr" typeface="Arial"/>
-        <a:font script="Thai" typeface="Cordia New"/>
-        <a:font script="Ethi" typeface="Nyala"/>
-        <a:font script="Beng" typeface="Vrinda"/>
-        <a:font script="Gujr" typeface="Shruti"/>
-        <a:font script="Khmr" typeface="DaunPenh"/>
-        <a:font script="Knda" typeface="Tunga"/>
-        <a:font script="Guru" typeface="Raavi"/>
-        <a:font script="Cans" typeface="Euphemia"/>
-        <a:font script="Cher" typeface="Plantagenet Cherokee"/>
-        <a:font script="Yiii" typeface="Microsoft Yi Baiti"/>
-        <a:font script="Tibt" typeface="Microsoft Himalaya"/>
-        <a:font script="Thaa" typeface="MV Boli"/>
-        <a:font script="Deva" typeface="Mangal"/>
-        <a:font script="Telu" typeface="Gautami"/>
-        <a:font script="Taml" typeface="Latha"/>
-        <a:font script="Syrc" typeface="Estrangelo Edessa"/>
-        <a:font script="Orya" typeface="Kalinga"/>
-        <a:font script="Mlym" typeface="Kartika"/>
-        <a:font script="Laoo" typeface="DokChampa"/>
-        <a:font script="Sinh" typeface="Iskoola Pota"/>
-        <a:font script="Mong" typeface="Mongolian Baiti"/>
-        <a:font script="Viet" typeface="Arial"/>
-        <a:font script="Uigh" typeface="Microsoft Uighur"/>
-        <a:font script="Geor" typeface="Sylfaen"/>
-      </a:minorFont>
-    </a:fontScheme>
-    <a:fmtScheme name="Office">
-      <a:fillStyleLst>
-        <a:solidFill>
-          <a:schemeClr val="phClr"/>
-        </a:solidFill>
-        <a:gradFill rotWithShape="1">
-          <a:gsLst>
-            <a:gs pos="0">
-              <a:schemeClr val="phClr">
-                <a:tint val="50000"/>
-                <a:satMod val="300000"/>
-              </a:schemeClr>
-            </a:gs>
-            <a:gs pos="35000">
-              <a:schemeClr val="phClr">
-                <a:tint val="37000"/>
-                <a:satMod val="300000"/>
-              </a:schemeClr>
-            </a:gs>
-            <a:gs pos="100000">
-              <a:schemeClr val="phClr">
-                <a:tint val="15000"/>
-                <a:satMod val="350000"/>
-              </a:schemeClr>
-            </a:gs>
-          </a:gsLst>
-          <a:lin ang="16200000" scaled="1"/>
-        </a:gradFill>
-        <a:gradFill rotWithShape="1">
-          <a:gsLst>
-            <a:gs pos="0">
-              <a:schemeClr val="phClr">
-                <a:tint val="100000"/>
-                <a:shade val="100000"/>
-                <a:satMod val="130000"/>
-              </a:schemeClr>
-            </a:gs>
-            <a:gs pos="100000">
-              <a:schemeClr val="phClr">
-                <a:tint val="50000"/>
-                <a:shade val="100000"/>
-                <a:satMod val="350000"/>
-              </a:schemeClr>
-            </a:gs>
-          </a:gsLst>
-          <a:lin ang="16200000" scaled="0"/>
-        </a:gradFill>
-      </a:fillStyleLst>
-      <a:lnStyleLst>
-        <a:ln w="9525" cap="flat" cmpd="sng" algn="ctr">
-          <a:solidFill>
-            <a:schemeClr val="phClr">
-              <a:shade val="95000"/>
-              <a:satMod val="105000"/>
-            </a:schemeClr>
-          </a:solidFill>
-          <a:prstDash val="solid"/>
-        </a:ln>
-        <a:ln w="25400" cap="flat" cmpd="sng" algn="ctr">
-          <a:solidFill>
-            <a:schemeClr val="phClr"/>
-          </a:solidFill>
-          <a:prstDash val="solid"/>
-        </a:ln>
-        <a:ln w="38100" cap="flat" cmpd="sng" algn="ctr">
-          <a:solidFill>
-            <a:schemeClr val="phClr"/>
-          </a:solidFill>
-          <a:prstDash val="solid"/>
-        </a:ln>
-      </a:lnStyleLst>
-      <a:effectStyleLst>
-        <a:effectStyle>
-          <a:effectLst>
-            <a:outerShdw blurRad="40000" dist="20000" dir="5400000" rotWithShape="0">
-              <a:srgbClr val="000000">
-                <a:alpha val="38000"/>
-              </a:srgbClr>
-            </a:outerShdw>
-          </a:effectLst>
-        </a:effectStyle>
-        <a:effectStyle>
-          <a:effectLst>
-            <a:outerShdw blurRad="40000" dist="23000" dir="5400000" rotWithShape="0">
-              <a:srgbClr val="000000">
-                <a:alpha val="35000"/>
-              </a:srgbClr>
-            </a:outerShdw>
-          </a:effectLst>
-        </a:effectStyle>
-        <a:effectStyle>
-          <a:effectLst>
-            <a:outerShdw blurRad="40000" dist="23000" dir="5400000" rotWithShape="0">
-              <a:srgbClr val="000000">
-                <a:alpha val="35000"/>
-              </a:srgbClr>
-            </a:outerShdw>
-          </a:effectLst>
-          <a:scene3d>
-            <a:camera prst="orthographicFront">
-              <a:rot lat="0" lon="0" rev="0"/>
-            </a:camera>
-            <a:lightRig rig="threePt" dir="t">
-              <a:rot lat="0" lon="0" rev="1200000"/>
-            </a:lightRig>
-          </a:scene3d>
-          <a:sp3d>
-            <a:bevelT w="63500" h="25400"/>
-          </a:sp3d>
-        </a:effectStyle>
-      </a:effectStyleLst>
-      <a:bgFillStyleLst>
-        <a:solidFill>
-          <a:schemeClr val="phClr"/>
-        </a:solidFill>
-        <a:gradFill rotWithShape="1">
-          <a:gsLst>
-            <a:gs pos="0">
-              <a:schemeClr val="phClr">
-                <a:tint val="40000"/>
-                <a:satMod val="350000"/>
-              </a:schemeClr>
-            </a:gs>
-            <a:gs pos="40000">
-              <a:schemeClr val="phClr">
-                <a:tint val="45000"/>
-                <a:shade val="99000"/>
-                <a:satMod val="350000"/>
-              </a:schemeClr>
-            </a:gs>
-            <a:gs pos="100000">
-              <a:schemeClr val="phClr">
-                <a:shade val="20000"/>
-                <a:satMod val="255000"/>
-              </a:schemeClr>
-            </a:gs>
-          </a:gsLst>
-          <a:path path="circle">
-            <a:fillToRect l="50000" t="-80000" r="50000" b="180000"/>
-          </a:path>
-        </a:gradFill>
-        <a:gradFill rotWithShape="1">
-          <a:gsLst>
-            <a:gs pos="0">
-              <a:schemeClr val="phClr">
-                <a:tint val="80000"/>
-                <a:satMod val="300000"/>
-              </a:schemeClr>
-            </a:gs>
-            <a:gs pos="100000">
-              <a:schemeClr val="phClr">
-                <a:shade val="30000"/>
-                <a:satMod val="200000"/>
-              </a:schemeClr>
-            </a:gs>
-          </a:gsLst>
-          <a:path path="circle">
-            <a:fillToRect l="50000" t="50000" r="50000" b="50000"/>
-          </a:path>
-        </a:gradFill>
-      </a:bgFillStyleLst>
-    </a:fmtScheme>
-  </a:themeElements>
-</a:theme>
 </file>